--- a/lab8/lab8_Компиляция_отчета_Старостенок_ДВ.pptx
+++ b/lab8/lab8_Компиляция_отчета_Старостенок_ДВ.pptx
@@ -5,7 +5,7 @@
     <p:sldMasterId id="2147483648" r:id="rId1"/>
   </p:sldMasterIdLst>
   <p:notesMasterIdLst>
-    <p:notesMasterId r:id="rId16"/>
+    <p:notesMasterId r:id="rId10"/>
   </p:notesMasterIdLst>
   <p:sldIdLst>
     <p:sldId id="256" r:id="rId2"/>
@@ -13,15 +13,9 @@
     <p:sldId id="258" r:id="rId4"/>
     <p:sldId id="259" r:id="rId5"/>
     <p:sldId id="260" r:id="rId6"/>
-    <p:sldId id="261" r:id="rId7"/>
-    <p:sldId id="262" r:id="rId8"/>
-    <p:sldId id="263" r:id="rId9"/>
-    <p:sldId id="264" r:id="rId10"/>
-    <p:sldId id="265" r:id="rId11"/>
-    <p:sldId id="266" r:id="rId12"/>
-    <p:sldId id="267" r:id="rId13"/>
-    <p:sldId id="268" r:id="rId14"/>
-    <p:sldId id="269" r:id="rId15"/>
+    <p:sldId id="270" r:id="rId7"/>
+    <p:sldId id="271" r:id="rId8"/>
+    <p:sldId id="272" r:id="rId9"/>
   </p:sldIdLst>
   <p:sldSz cx="12192000" cy="6858000"/>
   <p:notesSz cx="6858000" cy="9144000"/>
@@ -120,6 +114,11 @@
       </a:defRPr>
     </a:lvl9pPr>
   </p:defaultTextStyle>
+  <p:extLst>
+    <p:ext uri="{EFAFB233-063F-42B5-8137-9DF3F51BA10A}">
+      <p15:sldGuideLst xmlns:p15="http://schemas.microsoft.com/office/powerpoint/2012/main"/>
+    </p:ext>
+  </p:extLst>
 </p:presentation>
 </file>
 
@@ -205,7 +204,7 @@
           <a:p>
             <a:fld id="{A43AB27E-1691-4C4C-A0E5-8FBCAE3FB128}" type="datetimeFigureOut">
               <a:rPr lang="ru-RU" smtClean="0"/>
-              <a:t>28.04.2023</a:t>
+              <a:t>29.04.2023</a:t>
             </a:fld>
             <a:endParaRPr lang="ru-RU"/>
           </a:p>
@@ -472,6 +471,1138 @@
 </p:notesMaster>
 </file>
 
+<file path=ppt/notesSlides/notesSlide1.xml><?xml version="1.0" encoding="utf-8"?>
+<p:notes xmlns:a="http://schemas.openxmlformats.org/drawingml/2006/main" xmlns:r="http://schemas.openxmlformats.org/officeDocument/2006/relationships" xmlns:p="http://schemas.openxmlformats.org/presentationml/2006/main">
+  <p:cSld>
+    <p:spTree>
+      <p:nvGrpSpPr>
+        <p:cNvPr id="1" name=""/>
+        <p:cNvGrpSpPr/>
+        <p:nvPr/>
+      </p:nvGrpSpPr>
+      <p:grpSpPr>
+        <a:xfrm>
+          <a:off x="0" y="0"/>
+          <a:ext cx="0" cy="0"/>
+          <a:chOff x="0" y="0"/>
+          <a:chExt cx="0" cy="0"/>
+        </a:xfrm>
+      </p:grpSpPr>
+      <p:sp>
+        <p:nvSpPr>
+          <p:cNvPr id="2" name="Образ слайда 1"/>
+          <p:cNvSpPr>
+            <a:spLocks noGrp="1" noRot="1" noChangeAspect="1"/>
+          </p:cNvSpPr>
+          <p:nvPr>
+            <p:ph type="sldImg"/>
+          </p:nvPr>
+        </p:nvSpPr>
+        <p:spPr/>
+      </p:sp>
+      <p:sp>
+        <p:nvSpPr>
+          <p:cNvPr id="3" name="Заметки 2"/>
+          <p:cNvSpPr>
+            <a:spLocks noGrp="1"/>
+          </p:cNvSpPr>
+          <p:nvPr>
+            <p:ph type="body" idx="1"/>
+          </p:nvPr>
+        </p:nvSpPr>
+        <p:spPr/>
+        <p:txBody>
+          <a:bodyPr/>
+          <a:lstStyle/>
+          <a:p>
+            <a:pPr marL="0" marR="0" lvl="0" indent="0" algn="l" defTabSz="914400" rtl="0" eaLnBrk="1" fontAlgn="auto" latinLnBrk="0" hangingPunct="1">
+              <a:lnSpc>
+                <a:spcPct val="100000"/>
+              </a:lnSpc>
+              <a:spcBef>
+                <a:spcPts val="0"/>
+              </a:spcBef>
+              <a:spcAft>
+                <a:spcPts val="0"/>
+              </a:spcAft>
+              <a:buClrTx/>
+              <a:buSzTx/>
+              <a:buFontTx/>
+              <a:buNone/>
+              <a:tabLst/>
+              <a:defRPr/>
+            </a:pPr>
+            <a:r>
+              <a:rPr lang="ru-RU" b="0" i="0" dirty="0">
+                <a:solidFill>
+                  <a:srgbClr val="D1D5DB"/>
+                </a:solidFill>
+                <a:effectLst/>
+                <a:latin typeface="Söhne"/>
+              </a:rPr>
+              <a:t>Данная диаграмма UML описывает систему управления музыкальными композициями, плейлистами и плагинами. Актер "Пользователь ПК" может выполнять различные действия, включая прослушивание, создание, изменение и удаление плейлистов, а также загрузку и удаление плагинов. Для выполнения этих действий требуется предварительный поиск композиций, плейлистов и плагинов.</a:t>
+            </a:r>
+            <a:endParaRPr lang="ru-RU" dirty="0"/>
+          </a:p>
+          <a:p>
+            <a:endParaRPr lang="ru-RU" dirty="0"/>
+          </a:p>
+        </p:txBody>
+      </p:sp>
+      <p:sp>
+        <p:nvSpPr>
+          <p:cNvPr id="4" name="Номер слайда 3"/>
+          <p:cNvSpPr>
+            <a:spLocks noGrp="1"/>
+          </p:cNvSpPr>
+          <p:nvPr>
+            <p:ph type="sldNum" sz="quarter" idx="5"/>
+          </p:nvPr>
+        </p:nvSpPr>
+        <p:spPr/>
+        <p:txBody>
+          <a:bodyPr/>
+          <a:lstStyle/>
+          <a:p>
+            <a:fld id="{367F8144-5135-4642-93A8-D22C9FAAE3A2}" type="slidenum">
+              <a:rPr lang="ru-RU" smtClean="0"/>
+              <a:t>4</a:t>
+            </a:fld>
+            <a:endParaRPr lang="ru-RU"/>
+          </a:p>
+        </p:txBody>
+      </p:sp>
+    </p:spTree>
+    <p:extLst>
+      <p:ext uri="{BB962C8B-B14F-4D97-AF65-F5344CB8AC3E}">
+        <p14:creationId xmlns:p14="http://schemas.microsoft.com/office/powerpoint/2010/main" val="3282857062"/>
+      </p:ext>
+    </p:extLst>
+  </p:cSld>
+  <p:clrMapOvr>
+    <a:masterClrMapping/>
+  </p:clrMapOvr>
+</p:notes>
+</file>
+
+<file path=ppt/notesSlides/notesSlide2.xml><?xml version="1.0" encoding="utf-8"?>
+<p:notes xmlns:a="http://schemas.openxmlformats.org/drawingml/2006/main" xmlns:r="http://schemas.openxmlformats.org/officeDocument/2006/relationships" xmlns:p="http://schemas.openxmlformats.org/presentationml/2006/main">
+  <p:cSld>
+    <p:spTree>
+      <p:nvGrpSpPr>
+        <p:cNvPr id="1" name=""/>
+        <p:cNvGrpSpPr/>
+        <p:nvPr/>
+      </p:nvGrpSpPr>
+      <p:grpSpPr>
+        <a:xfrm>
+          <a:off x="0" y="0"/>
+          <a:ext cx="0" cy="0"/>
+          <a:chOff x="0" y="0"/>
+          <a:chExt cx="0" cy="0"/>
+        </a:xfrm>
+      </p:grpSpPr>
+      <p:sp>
+        <p:nvSpPr>
+          <p:cNvPr id="2" name="Образ слайда 1"/>
+          <p:cNvSpPr>
+            <a:spLocks noGrp="1" noRot="1" noChangeAspect="1"/>
+          </p:cNvSpPr>
+          <p:nvPr>
+            <p:ph type="sldImg"/>
+          </p:nvPr>
+        </p:nvSpPr>
+        <p:spPr/>
+      </p:sp>
+      <p:sp>
+        <p:nvSpPr>
+          <p:cNvPr id="3" name="Заметки 2"/>
+          <p:cNvSpPr>
+            <a:spLocks noGrp="1"/>
+          </p:cNvSpPr>
+          <p:nvPr>
+            <p:ph type="body" idx="1"/>
+          </p:nvPr>
+        </p:nvSpPr>
+        <p:spPr/>
+        <p:txBody>
+          <a:bodyPr/>
+          <a:lstStyle/>
+          <a:p>
+            <a:pPr indent="450215" algn="just">
+              <a:lnSpc>
+                <a:spcPct val="150000"/>
+              </a:lnSpc>
+              <a:spcAft>
+                <a:spcPts val="800"/>
+              </a:spcAft>
+            </a:pPr>
+            <a:r>
+              <a:rPr lang="ru-RU" sz="1200" dirty="0">
+                <a:effectLst/>
+                <a:latin typeface="Times New Roman" panose="02020603050405020304" pitchFamily="18" charset="0"/>
+                <a:ea typeface="Calibri" panose="020F0502020204030204" pitchFamily="34" charset="0"/>
+                <a:cs typeface="Times New Roman" panose="02020603050405020304" pitchFamily="18" charset="0"/>
+              </a:rPr>
+              <a:t>Имеется </a:t>
+            </a:r>
+            <a:r>
+              <a:rPr lang="en-US" sz="1200" dirty="0">
+                <a:effectLst/>
+                <a:latin typeface="Times New Roman" panose="02020603050405020304" pitchFamily="18" charset="0"/>
+                <a:ea typeface="Calibri" panose="020F0502020204030204" pitchFamily="34" charset="0"/>
+                <a:cs typeface="Times New Roman" panose="02020603050405020304" pitchFamily="18" charset="0"/>
+              </a:rPr>
+              <a:t>UML </a:t>
+            </a:r>
+            <a:r>
+              <a:rPr lang="ru-RU" sz="1200" dirty="0">
+                <a:effectLst/>
+                <a:latin typeface="Times New Roman" panose="02020603050405020304" pitchFamily="18" charset="0"/>
+                <a:ea typeface="Calibri" panose="020F0502020204030204" pitchFamily="34" charset="0"/>
+                <a:cs typeface="Times New Roman" panose="02020603050405020304" pitchFamily="18" charset="0"/>
+              </a:rPr>
+              <a:t>диаграмма классов. В ней располагаются классы с </a:t>
+            </a:r>
+            <a:r>
+              <a:rPr lang="en-US" sz="1200" dirty="0">
+                <a:effectLst/>
+                <a:latin typeface="Times New Roman" panose="02020603050405020304" pitchFamily="18" charset="0"/>
+                <a:ea typeface="Calibri" panose="020F0502020204030204" pitchFamily="34" charset="0"/>
+                <a:cs typeface="Times New Roman" panose="02020603050405020304" pitchFamily="18" charset="0"/>
+              </a:rPr>
+              <a:t>RUP </a:t>
+            </a:r>
+            <a:r>
+              <a:rPr lang="ru-RU" sz="1200" dirty="0">
+                <a:effectLst/>
+                <a:latin typeface="Times New Roman" panose="02020603050405020304" pitchFamily="18" charset="0"/>
+                <a:ea typeface="Calibri" panose="020F0502020204030204" pitchFamily="34" charset="0"/>
+                <a:cs typeface="Times New Roman" panose="02020603050405020304" pitchFamily="18" charset="0"/>
+              </a:rPr>
+              <a:t>меткой &lt;&lt;</a:t>
+            </a:r>
+            <a:r>
+              <a:rPr lang="en-US" sz="1200" dirty="0">
+                <a:effectLst/>
+                <a:latin typeface="Times New Roman" panose="02020603050405020304" pitchFamily="18" charset="0"/>
+                <a:ea typeface="Calibri" panose="020F0502020204030204" pitchFamily="34" charset="0"/>
+                <a:cs typeface="Times New Roman" panose="02020603050405020304" pitchFamily="18" charset="0"/>
+              </a:rPr>
+              <a:t>entity</a:t>
+            </a:r>
+            <a:r>
+              <a:rPr lang="ru-RU" sz="1200" dirty="0">
+                <a:effectLst/>
+                <a:latin typeface="Times New Roman" panose="02020603050405020304" pitchFamily="18" charset="0"/>
+                <a:ea typeface="Calibri" panose="020F0502020204030204" pitchFamily="34" charset="0"/>
+                <a:cs typeface="Times New Roman" panose="02020603050405020304" pitchFamily="18" charset="0"/>
+              </a:rPr>
+              <a:t>&gt;&gt;: </a:t>
+            </a:r>
+            <a:r>
+              <a:rPr lang="en-US" sz="1200" dirty="0">
+                <a:effectLst/>
+                <a:latin typeface="Times New Roman" panose="02020603050405020304" pitchFamily="18" charset="0"/>
+                <a:ea typeface="Calibri" panose="020F0502020204030204" pitchFamily="34" charset="0"/>
+                <a:cs typeface="Times New Roman" panose="02020603050405020304" pitchFamily="18" charset="0"/>
+              </a:rPr>
+              <a:t>Playlist</a:t>
+            </a:r>
+            <a:r>
+              <a:rPr lang="ru-RU" sz="1200" dirty="0">
+                <a:effectLst/>
+                <a:latin typeface="Times New Roman" panose="02020603050405020304" pitchFamily="18" charset="0"/>
+                <a:ea typeface="Calibri" panose="020F0502020204030204" pitchFamily="34" charset="0"/>
+                <a:cs typeface="Times New Roman" panose="02020603050405020304" pitchFamily="18" charset="0"/>
+              </a:rPr>
+              <a:t>, </a:t>
+            </a:r>
+            <a:r>
+              <a:rPr lang="en-US" sz="1200" dirty="0">
+                <a:effectLst/>
+                <a:latin typeface="Times New Roman" panose="02020603050405020304" pitchFamily="18" charset="0"/>
+                <a:ea typeface="Calibri" panose="020F0502020204030204" pitchFamily="34" charset="0"/>
+                <a:cs typeface="Times New Roman" panose="02020603050405020304" pitchFamily="18" charset="0"/>
+              </a:rPr>
+              <a:t>Song </a:t>
+            </a:r>
+            <a:r>
+              <a:rPr lang="ru-RU" sz="1200" dirty="0">
+                <a:effectLst/>
+                <a:latin typeface="Times New Roman" panose="02020603050405020304" pitchFamily="18" charset="0"/>
+                <a:ea typeface="Calibri" panose="020F0502020204030204" pitchFamily="34" charset="0"/>
+                <a:cs typeface="Times New Roman" panose="02020603050405020304" pitchFamily="18" charset="0"/>
+              </a:rPr>
+              <a:t>и </a:t>
+            </a:r>
+            <a:r>
+              <a:rPr lang="en-US" sz="1200" dirty="0">
+                <a:effectLst/>
+                <a:latin typeface="Times New Roman" panose="02020603050405020304" pitchFamily="18" charset="0"/>
+                <a:ea typeface="Calibri" panose="020F0502020204030204" pitchFamily="34" charset="0"/>
+                <a:cs typeface="Times New Roman" panose="02020603050405020304" pitchFamily="18" charset="0"/>
+              </a:rPr>
+              <a:t>Plugin</a:t>
+            </a:r>
+            <a:r>
+              <a:rPr lang="ru-RU" sz="1200" dirty="0">
+                <a:effectLst/>
+                <a:latin typeface="Times New Roman" panose="02020603050405020304" pitchFamily="18" charset="0"/>
+                <a:ea typeface="Calibri" panose="020F0502020204030204" pitchFamily="34" charset="0"/>
+                <a:cs typeface="Times New Roman" panose="02020603050405020304" pitchFamily="18" charset="0"/>
+              </a:rPr>
+              <a:t>. Также имеются классы с</a:t>
+            </a:r>
+            <a:r>
+              <a:rPr lang="en-US" sz="1200" dirty="0">
+                <a:effectLst/>
+                <a:latin typeface="Times New Roman" panose="02020603050405020304" pitchFamily="18" charset="0"/>
+                <a:ea typeface="Calibri" panose="020F0502020204030204" pitchFamily="34" charset="0"/>
+                <a:cs typeface="Times New Roman" panose="02020603050405020304" pitchFamily="18" charset="0"/>
+              </a:rPr>
+              <a:t> RUP </a:t>
+            </a:r>
+            <a:r>
+              <a:rPr lang="ru-RU" sz="1200" dirty="0">
+                <a:effectLst/>
+                <a:latin typeface="Times New Roman" panose="02020603050405020304" pitchFamily="18" charset="0"/>
+                <a:ea typeface="Calibri" panose="020F0502020204030204" pitchFamily="34" charset="0"/>
+                <a:cs typeface="Times New Roman" panose="02020603050405020304" pitchFamily="18" charset="0"/>
+              </a:rPr>
+              <a:t>меткой </a:t>
+            </a:r>
+            <a:r>
+              <a:rPr lang="en-US" sz="1200" dirty="0">
+                <a:effectLst/>
+                <a:latin typeface="Times New Roman" panose="02020603050405020304" pitchFamily="18" charset="0"/>
+                <a:ea typeface="Calibri" panose="020F0502020204030204" pitchFamily="34" charset="0"/>
+                <a:cs typeface="Times New Roman" panose="02020603050405020304" pitchFamily="18" charset="0"/>
+              </a:rPr>
+              <a:t>&lt;&lt;control&gt;&gt;: </a:t>
+            </a:r>
+            <a:r>
+              <a:rPr lang="en-US" sz="1200" dirty="0" err="1">
+                <a:effectLst/>
+                <a:latin typeface="Times New Roman" panose="02020603050405020304" pitchFamily="18" charset="0"/>
+                <a:ea typeface="Calibri" panose="020F0502020204030204" pitchFamily="34" charset="0"/>
+                <a:cs typeface="Times New Roman" panose="02020603050405020304" pitchFamily="18" charset="0"/>
+              </a:rPr>
+              <a:t>PlaylistController</a:t>
+            </a:r>
+            <a:r>
+              <a:rPr lang="en-US" sz="1200" dirty="0">
+                <a:effectLst/>
+                <a:latin typeface="Times New Roman" panose="02020603050405020304" pitchFamily="18" charset="0"/>
+                <a:ea typeface="Calibri" panose="020F0502020204030204" pitchFamily="34" charset="0"/>
+                <a:cs typeface="Times New Roman" panose="02020603050405020304" pitchFamily="18" charset="0"/>
+              </a:rPr>
+              <a:t>, </a:t>
+            </a:r>
+            <a:r>
+              <a:rPr lang="en-US" sz="1200" dirty="0" err="1">
+                <a:effectLst/>
+                <a:latin typeface="Times New Roman" panose="02020603050405020304" pitchFamily="18" charset="0"/>
+                <a:ea typeface="Calibri" panose="020F0502020204030204" pitchFamily="34" charset="0"/>
+                <a:cs typeface="Times New Roman" panose="02020603050405020304" pitchFamily="18" charset="0"/>
+              </a:rPr>
+              <a:t>SongController</a:t>
+            </a:r>
+            <a:r>
+              <a:rPr lang="en-US" sz="1200" dirty="0">
+                <a:effectLst/>
+                <a:latin typeface="Times New Roman" panose="02020603050405020304" pitchFamily="18" charset="0"/>
+                <a:ea typeface="Calibri" panose="020F0502020204030204" pitchFamily="34" charset="0"/>
+                <a:cs typeface="Times New Roman" panose="02020603050405020304" pitchFamily="18" charset="0"/>
+              </a:rPr>
+              <a:t> </a:t>
+            </a:r>
+            <a:r>
+              <a:rPr lang="ru-RU" sz="1200" dirty="0">
+                <a:effectLst/>
+                <a:latin typeface="Times New Roman" panose="02020603050405020304" pitchFamily="18" charset="0"/>
+                <a:ea typeface="Calibri" panose="020F0502020204030204" pitchFamily="34" charset="0"/>
+                <a:cs typeface="Times New Roman" panose="02020603050405020304" pitchFamily="18" charset="0"/>
+              </a:rPr>
+              <a:t>и</a:t>
+            </a:r>
+            <a:r>
+              <a:rPr lang="en-US" sz="1200" dirty="0">
+                <a:effectLst/>
+                <a:latin typeface="Times New Roman" panose="02020603050405020304" pitchFamily="18" charset="0"/>
+                <a:ea typeface="Calibri" panose="020F0502020204030204" pitchFamily="34" charset="0"/>
+                <a:cs typeface="Times New Roman" panose="02020603050405020304" pitchFamily="18" charset="0"/>
+              </a:rPr>
+              <a:t> </a:t>
+            </a:r>
+            <a:r>
+              <a:rPr lang="en-US" sz="1200" dirty="0" err="1">
+                <a:effectLst/>
+                <a:latin typeface="Times New Roman" panose="02020603050405020304" pitchFamily="18" charset="0"/>
+                <a:ea typeface="Calibri" panose="020F0502020204030204" pitchFamily="34" charset="0"/>
+                <a:cs typeface="Times New Roman" panose="02020603050405020304" pitchFamily="18" charset="0"/>
+              </a:rPr>
+              <a:t>PluginController</a:t>
+            </a:r>
+            <a:r>
+              <a:rPr lang="en-US" sz="1200" dirty="0">
+                <a:effectLst/>
+                <a:latin typeface="Times New Roman" panose="02020603050405020304" pitchFamily="18" charset="0"/>
+                <a:ea typeface="Calibri" panose="020F0502020204030204" pitchFamily="34" charset="0"/>
+                <a:cs typeface="Times New Roman" panose="02020603050405020304" pitchFamily="18" charset="0"/>
+              </a:rPr>
+              <a:t>. </a:t>
+            </a:r>
+            <a:r>
+              <a:rPr lang="ru-RU" sz="1200" dirty="0">
+                <a:effectLst/>
+                <a:latin typeface="Times New Roman" panose="02020603050405020304" pitchFamily="18" charset="0"/>
+                <a:ea typeface="Calibri" panose="020F0502020204030204" pitchFamily="34" charset="0"/>
+                <a:cs typeface="Times New Roman" panose="02020603050405020304" pitchFamily="18" charset="0"/>
+              </a:rPr>
+              <a:t>Далее расположен класс с </a:t>
+            </a:r>
+            <a:r>
+              <a:rPr lang="en-US" sz="1200" dirty="0">
+                <a:effectLst/>
+                <a:latin typeface="Times New Roman" panose="02020603050405020304" pitchFamily="18" charset="0"/>
+                <a:ea typeface="Calibri" panose="020F0502020204030204" pitchFamily="34" charset="0"/>
+                <a:cs typeface="Times New Roman" panose="02020603050405020304" pitchFamily="18" charset="0"/>
+              </a:rPr>
+              <a:t>RUP </a:t>
+            </a:r>
+            <a:r>
+              <a:rPr lang="ru-RU" sz="1200" dirty="0">
+                <a:effectLst/>
+                <a:latin typeface="Times New Roman" panose="02020603050405020304" pitchFamily="18" charset="0"/>
+                <a:ea typeface="Calibri" panose="020F0502020204030204" pitchFamily="34" charset="0"/>
+                <a:cs typeface="Times New Roman" panose="02020603050405020304" pitchFamily="18" charset="0"/>
+              </a:rPr>
+              <a:t>меткой </a:t>
+            </a:r>
+            <a:r>
+              <a:rPr lang="en-US" sz="1200" dirty="0">
+                <a:effectLst/>
+                <a:latin typeface="Times New Roman" panose="02020603050405020304" pitchFamily="18" charset="0"/>
+                <a:ea typeface="Calibri" panose="020F0502020204030204" pitchFamily="34" charset="0"/>
+                <a:cs typeface="Times New Roman" panose="02020603050405020304" pitchFamily="18" charset="0"/>
+              </a:rPr>
+              <a:t>&lt;&lt;boundary&gt;&gt;: </a:t>
+            </a:r>
+            <a:r>
+              <a:rPr lang="en-US" sz="1200" dirty="0" err="1">
+                <a:effectLst/>
+                <a:latin typeface="Times New Roman" panose="02020603050405020304" pitchFamily="18" charset="0"/>
+                <a:ea typeface="Calibri" panose="020F0502020204030204" pitchFamily="34" charset="0"/>
+                <a:cs typeface="Times New Roman" panose="02020603050405020304" pitchFamily="18" charset="0"/>
+              </a:rPr>
+              <a:t>AudioPlayerForm</a:t>
+            </a:r>
+            <a:r>
+              <a:rPr lang="en-US" sz="1200" dirty="0">
+                <a:effectLst/>
+                <a:latin typeface="Times New Roman" panose="02020603050405020304" pitchFamily="18" charset="0"/>
+                <a:ea typeface="Calibri" panose="020F0502020204030204" pitchFamily="34" charset="0"/>
+                <a:cs typeface="Times New Roman" panose="02020603050405020304" pitchFamily="18" charset="0"/>
+              </a:rPr>
+              <a:t>.</a:t>
+            </a:r>
+            <a:endParaRPr lang="ru-RU" sz="1200" dirty="0">
+              <a:effectLst/>
+              <a:latin typeface="Calibri" panose="020F0502020204030204" pitchFamily="34" charset="0"/>
+              <a:ea typeface="Calibri" panose="020F0502020204030204" pitchFamily="34" charset="0"/>
+              <a:cs typeface="Times New Roman" panose="02020603050405020304" pitchFamily="18" charset="0"/>
+            </a:endParaRPr>
+          </a:p>
+          <a:p>
+            <a:pPr indent="450215" algn="just">
+              <a:lnSpc>
+                <a:spcPct val="150000"/>
+              </a:lnSpc>
+              <a:spcAft>
+                <a:spcPts val="800"/>
+              </a:spcAft>
+            </a:pPr>
+            <a:r>
+              <a:rPr lang="ru-RU" sz="1200" dirty="0">
+                <a:effectLst/>
+                <a:latin typeface="Times New Roman" panose="02020603050405020304" pitchFamily="18" charset="0"/>
+                <a:ea typeface="Calibri" panose="020F0502020204030204" pitchFamily="34" charset="0"/>
+                <a:cs typeface="Times New Roman" panose="02020603050405020304" pitchFamily="18" charset="0"/>
+              </a:rPr>
+              <a:t>Кроме классов имеются интерфейсы</a:t>
+            </a:r>
+            <a:r>
+              <a:rPr lang="en-US" sz="1200" dirty="0">
+                <a:effectLst/>
+                <a:latin typeface="Times New Roman" panose="02020603050405020304" pitchFamily="18" charset="0"/>
+                <a:ea typeface="Calibri" panose="020F0502020204030204" pitchFamily="34" charset="0"/>
+                <a:cs typeface="Times New Roman" panose="02020603050405020304" pitchFamily="18" charset="0"/>
+              </a:rPr>
+              <a:t>: </a:t>
+            </a:r>
+            <a:r>
+              <a:rPr lang="en-US" sz="1200" dirty="0" err="1">
+                <a:effectLst/>
+                <a:latin typeface="Times New Roman" panose="02020603050405020304" pitchFamily="18" charset="0"/>
+                <a:ea typeface="Calibri" panose="020F0502020204030204" pitchFamily="34" charset="0"/>
+                <a:cs typeface="Times New Roman" panose="02020603050405020304" pitchFamily="18" charset="0"/>
+              </a:rPr>
+              <a:t>ISearch</a:t>
+            </a:r>
+            <a:r>
+              <a:rPr lang="en-US" sz="1200" dirty="0">
+                <a:effectLst/>
+                <a:latin typeface="Times New Roman" panose="02020603050405020304" pitchFamily="18" charset="0"/>
+                <a:ea typeface="Calibri" panose="020F0502020204030204" pitchFamily="34" charset="0"/>
+                <a:cs typeface="Times New Roman" panose="02020603050405020304" pitchFamily="18" charset="0"/>
+              </a:rPr>
+              <a:t>, </a:t>
+            </a:r>
+            <a:r>
+              <a:rPr lang="ru-RU" sz="1200" dirty="0">
+                <a:effectLst/>
+                <a:latin typeface="Times New Roman" panose="02020603050405020304" pitchFamily="18" charset="0"/>
+                <a:ea typeface="Calibri" panose="020F0502020204030204" pitchFamily="34" charset="0"/>
+                <a:cs typeface="Times New Roman" panose="02020603050405020304" pitchFamily="18" charset="0"/>
+              </a:rPr>
+              <a:t>который связан с классами </a:t>
+            </a:r>
+            <a:r>
+              <a:rPr lang="en-US" sz="1200" dirty="0" err="1">
+                <a:effectLst/>
+                <a:latin typeface="Times New Roman" panose="02020603050405020304" pitchFamily="18" charset="0"/>
+                <a:ea typeface="Calibri" panose="020F0502020204030204" pitchFamily="34" charset="0"/>
+                <a:cs typeface="Times New Roman" panose="02020603050405020304" pitchFamily="18" charset="0"/>
+              </a:rPr>
+              <a:t>PlaylistController</a:t>
+            </a:r>
+            <a:r>
+              <a:rPr lang="en-US" sz="1200" dirty="0">
+                <a:effectLst/>
+                <a:latin typeface="Times New Roman" panose="02020603050405020304" pitchFamily="18" charset="0"/>
+                <a:ea typeface="Calibri" panose="020F0502020204030204" pitchFamily="34" charset="0"/>
+                <a:cs typeface="Times New Roman" panose="02020603050405020304" pitchFamily="18" charset="0"/>
+              </a:rPr>
+              <a:t>, </a:t>
+            </a:r>
+            <a:r>
+              <a:rPr lang="en-US" sz="1200" dirty="0" err="1">
+                <a:effectLst/>
+                <a:latin typeface="Times New Roman" panose="02020603050405020304" pitchFamily="18" charset="0"/>
+                <a:ea typeface="Calibri" panose="020F0502020204030204" pitchFamily="34" charset="0"/>
+                <a:cs typeface="Times New Roman" panose="02020603050405020304" pitchFamily="18" charset="0"/>
+              </a:rPr>
+              <a:t>SongController</a:t>
+            </a:r>
+            <a:r>
+              <a:rPr lang="en-US" sz="1200" dirty="0">
+                <a:effectLst/>
+                <a:latin typeface="Times New Roman" panose="02020603050405020304" pitchFamily="18" charset="0"/>
+                <a:ea typeface="Calibri" panose="020F0502020204030204" pitchFamily="34" charset="0"/>
+                <a:cs typeface="Times New Roman" panose="02020603050405020304" pitchFamily="18" charset="0"/>
+              </a:rPr>
+              <a:t> </a:t>
+            </a:r>
+            <a:r>
+              <a:rPr lang="ru-RU" sz="1200" dirty="0">
+                <a:effectLst/>
+                <a:latin typeface="Times New Roman" panose="02020603050405020304" pitchFamily="18" charset="0"/>
+                <a:ea typeface="Calibri" panose="020F0502020204030204" pitchFamily="34" charset="0"/>
+                <a:cs typeface="Times New Roman" panose="02020603050405020304" pitchFamily="18" charset="0"/>
+              </a:rPr>
+              <a:t>и</a:t>
+            </a:r>
+            <a:r>
+              <a:rPr lang="en-US" sz="1200" dirty="0">
+                <a:effectLst/>
+                <a:latin typeface="Times New Roman" panose="02020603050405020304" pitchFamily="18" charset="0"/>
+                <a:ea typeface="Calibri" panose="020F0502020204030204" pitchFamily="34" charset="0"/>
+                <a:cs typeface="Times New Roman" panose="02020603050405020304" pitchFamily="18" charset="0"/>
+              </a:rPr>
+              <a:t> </a:t>
+            </a:r>
+            <a:r>
+              <a:rPr lang="en-US" sz="1200" dirty="0" err="1">
+                <a:effectLst/>
+                <a:latin typeface="Times New Roman" panose="02020603050405020304" pitchFamily="18" charset="0"/>
+                <a:ea typeface="Calibri" panose="020F0502020204030204" pitchFamily="34" charset="0"/>
+                <a:cs typeface="Times New Roman" panose="02020603050405020304" pitchFamily="18" charset="0"/>
+              </a:rPr>
+              <a:t>PluginController</a:t>
+            </a:r>
+            <a:r>
+              <a:rPr lang="en-US" sz="1200" dirty="0">
+                <a:effectLst/>
+                <a:latin typeface="Times New Roman" panose="02020603050405020304" pitchFamily="18" charset="0"/>
+                <a:ea typeface="Calibri" panose="020F0502020204030204" pitchFamily="34" charset="0"/>
+                <a:cs typeface="Times New Roman" panose="02020603050405020304" pitchFamily="18" charset="0"/>
+              </a:rPr>
+              <a:t>. </a:t>
+            </a:r>
+            <a:r>
+              <a:rPr lang="ru-RU" sz="1200" dirty="0">
+                <a:effectLst/>
+                <a:latin typeface="Times New Roman" panose="02020603050405020304" pitchFamily="18" charset="0"/>
+                <a:ea typeface="Calibri" panose="020F0502020204030204" pitchFamily="34" charset="0"/>
+                <a:cs typeface="Times New Roman" panose="02020603050405020304" pitchFamily="18" charset="0"/>
+              </a:rPr>
+              <a:t>А также интерфейс </a:t>
+            </a:r>
+            <a:r>
+              <a:rPr lang="en-US" sz="1200" dirty="0" err="1">
+                <a:effectLst/>
+                <a:latin typeface="Times New Roman" panose="02020603050405020304" pitchFamily="18" charset="0"/>
+                <a:ea typeface="Calibri" panose="020F0502020204030204" pitchFamily="34" charset="0"/>
+                <a:cs typeface="Times New Roman" panose="02020603050405020304" pitchFamily="18" charset="0"/>
+              </a:rPr>
+              <a:t>IPlayable</a:t>
+            </a:r>
+            <a:r>
+              <a:rPr lang="ru-RU" sz="1200" dirty="0">
+                <a:effectLst/>
+                <a:latin typeface="Times New Roman" panose="02020603050405020304" pitchFamily="18" charset="0"/>
+                <a:ea typeface="Calibri" panose="020F0502020204030204" pitchFamily="34" charset="0"/>
+                <a:cs typeface="Times New Roman" panose="02020603050405020304" pitchFamily="18" charset="0"/>
+              </a:rPr>
+              <a:t>, который связан с классами </a:t>
+            </a:r>
+            <a:r>
+              <a:rPr lang="en-US" sz="1200" dirty="0">
+                <a:effectLst/>
+                <a:latin typeface="Times New Roman" panose="02020603050405020304" pitchFamily="18" charset="0"/>
+                <a:ea typeface="Calibri" panose="020F0502020204030204" pitchFamily="34" charset="0"/>
+                <a:cs typeface="Times New Roman" panose="02020603050405020304" pitchFamily="18" charset="0"/>
+              </a:rPr>
+              <a:t>Playlist</a:t>
+            </a:r>
+            <a:r>
+              <a:rPr lang="ru-RU" sz="1200" dirty="0">
+                <a:effectLst/>
+                <a:latin typeface="Times New Roman" panose="02020603050405020304" pitchFamily="18" charset="0"/>
+                <a:ea typeface="Calibri" panose="020F0502020204030204" pitchFamily="34" charset="0"/>
+                <a:cs typeface="Times New Roman" panose="02020603050405020304" pitchFamily="18" charset="0"/>
+              </a:rPr>
+              <a:t> и </a:t>
+            </a:r>
+            <a:r>
+              <a:rPr lang="en-US" sz="1200" dirty="0">
+                <a:effectLst/>
+                <a:latin typeface="Times New Roman" panose="02020603050405020304" pitchFamily="18" charset="0"/>
+                <a:ea typeface="Calibri" panose="020F0502020204030204" pitchFamily="34" charset="0"/>
+                <a:cs typeface="Times New Roman" panose="02020603050405020304" pitchFamily="18" charset="0"/>
+              </a:rPr>
+              <a:t>Song</a:t>
+            </a:r>
+            <a:r>
+              <a:rPr lang="ru-RU" sz="1200" dirty="0">
+                <a:effectLst/>
+                <a:latin typeface="Times New Roman" panose="02020603050405020304" pitchFamily="18" charset="0"/>
+                <a:ea typeface="Calibri" panose="020F0502020204030204" pitchFamily="34" charset="0"/>
+                <a:cs typeface="Times New Roman" panose="02020603050405020304" pitchFamily="18" charset="0"/>
+              </a:rPr>
+              <a:t>.</a:t>
+            </a:r>
+            <a:endParaRPr lang="ru-RU" sz="1200" dirty="0">
+              <a:effectLst/>
+              <a:latin typeface="Calibri" panose="020F0502020204030204" pitchFamily="34" charset="0"/>
+              <a:ea typeface="Calibri" panose="020F0502020204030204" pitchFamily="34" charset="0"/>
+              <a:cs typeface="Times New Roman" panose="02020603050405020304" pitchFamily="18" charset="0"/>
+            </a:endParaRPr>
+          </a:p>
+        </p:txBody>
+      </p:sp>
+      <p:sp>
+        <p:nvSpPr>
+          <p:cNvPr id="4" name="Номер слайда 3"/>
+          <p:cNvSpPr>
+            <a:spLocks noGrp="1"/>
+          </p:cNvSpPr>
+          <p:nvPr>
+            <p:ph type="sldNum" sz="quarter" idx="5"/>
+          </p:nvPr>
+        </p:nvSpPr>
+        <p:spPr/>
+        <p:txBody>
+          <a:bodyPr/>
+          <a:lstStyle/>
+          <a:p>
+            <a:fld id="{367F8144-5135-4642-93A8-D22C9FAAE3A2}" type="slidenum">
+              <a:rPr lang="ru-RU" smtClean="0"/>
+              <a:t>5</a:t>
+            </a:fld>
+            <a:endParaRPr lang="ru-RU"/>
+          </a:p>
+        </p:txBody>
+      </p:sp>
+    </p:spTree>
+    <p:extLst>
+      <p:ext uri="{BB962C8B-B14F-4D97-AF65-F5344CB8AC3E}">
+        <p14:creationId xmlns:p14="http://schemas.microsoft.com/office/powerpoint/2010/main" val="3476208023"/>
+      </p:ext>
+    </p:extLst>
+  </p:cSld>
+  <p:clrMapOvr>
+    <a:masterClrMapping/>
+  </p:clrMapOvr>
+</p:notes>
+</file>
+
+<file path=ppt/notesSlides/notesSlide3.xml><?xml version="1.0" encoding="utf-8"?>
+<p:notes xmlns:a="http://schemas.openxmlformats.org/drawingml/2006/main" xmlns:r="http://schemas.openxmlformats.org/officeDocument/2006/relationships" xmlns:p="http://schemas.openxmlformats.org/presentationml/2006/main">
+  <p:cSld>
+    <p:spTree>
+      <p:nvGrpSpPr>
+        <p:cNvPr id="1" name=""/>
+        <p:cNvGrpSpPr/>
+        <p:nvPr/>
+      </p:nvGrpSpPr>
+      <p:grpSpPr>
+        <a:xfrm>
+          <a:off x="0" y="0"/>
+          <a:ext cx="0" cy="0"/>
+          <a:chOff x="0" y="0"/>
+          <a:chExt cx="0" cy="0"/>
+        </a:xfrm>
+      </p:grpSpPr>
+      <p:sp>
+        <p:nvSpPr>
+          <p:cNvPr id="2" name="Образ слайда 1"/>
+          <p:cNvSpPr>
+            <a:spLocks noGrp="1" noRot="1" noChangeAspect="1"/>
+          </p:cNvSpPr>
+          <p:nvPr>
+            <p:ph type="sldImg"/>
+          </p:nvPr>
+        </p:nvSpPr>
+        <p:spPr/>
+      </p:sp>
+      <p:sp>
+        <p:nvSpPr>
+          <p:cNvPr id="3" name="Заметки 2"/>
+          <p:cNvSpPr>
+            <a:spLocks noGrp="1"/>
+          </p:cNvSpPr>
+          <p:nvPr>
+            <p:ph type="body" idx="1"/>
+          </p:nvPr>
+        </p:nvSpPr>
+        <p:spPr/>
+        <p:txBody>
+          <a:bodyPr/>
+          <a:lstStyle/>
+          <a:p>
+            <a:pPr algn="l"/>
+            <a:r>
+              <a:rPr lang="ru-RU" b="0" i="0" dirty="0">
+                <a:solidFill>
+                  <a:srgbClr val="D1D5DB"/>
+                </a:solidFill>
+                <a:effectLst/>
+                <a:latin typeface="Söhne"/>
+              </a:rPr>
+              <a:t>Диаграмма деятельности начинается с узла "</a:t>
+            </a:r>
+            <a:r>
+              <a:rPr lang="ru-RU" b="0" i="0" dirty="0" err="1">
+                <a:solidFill>
+                  <a:srgbClr val="D1D5DB"/>
+                </a:solidFill>
+                <a:effectLst/>
+                <a:latin typeface="Söhne"/>
+              </a:rPr>
+              <a:t>start</a:t>
+            </a:r>
+            <a:r>
+              <a:rPr lang="ru-RU" b="0" i="0" dirty="0">
+                <a:solidFill>
+                  <a:srgbClr val="D1D5DB"/>
+                </a:solidFill>
+                <a:effectLst/>
+                <a:latin typeface="Söhne"/>
+              </a:rPr>
+              <a:t>" и далее делится на три ветки с помощью узла "</a:t>
+            </a:r>
+            <a:r>
+              <a:rPr lang="ru-RU" b="0" i="0" dirty="0" err="1">
+                <a:solidFill>
+                  <a:srgbClr val="D1D5DB"/>
+                </a:solidFill>
+                <a:effectLst/>
+                <a:latin typeface="Söhne"/>
+              </a:rPr>
+              <a:t>fork</a:t>
+            </a:r>
+            <a:r>
+              <a:rPr lang="ru-RU" b="0" i="0" dirty="0">
+                <a:solidFill>
+                  <a:srgbClr val="D1D5DB"/>
+                </a:solidFill>
+                <a:effectLst/>
+                <a:latin typeface="Söhne"/>
+              </a:rPr>
+              <a:t>".</a:t>
+            </a:r>
+          </a:p>
+          <a:p>
+            <a:pPr algn="l"/>
+            <a:r>
+              <a:rPr lang="ru-RU" b="0" i="0" dirty="0">
+                <a:solidFill>
+                  <a:srgbClr val="D1D5DB"/>
+                </a:solidFill>
+                <a:effectLst/>
+                <a:latin typeface="Söhne"/>
+              </a:rPr>
+              <a:t>1-я ветка: поиск композиции - пользователь вводит запрос на поиск, система ищет композицию и проигрывает ее, если она найдена.</a:t>
+            </a:r>
+          </a:p>
+          <a:p>
+            <a:pPr algn="l"/>
+            <a:r>
+              <a:rPr lang="ru-RU" b="0" i="0" dirty="0">
+                <a:solidFill>
+                  <a:srgbClr val="D1D5DB"/>
+                </a:solidFill>
+                <a:effectLst/>
+                <a:latin typeface="Söhne"/>
+              </a:rPr>
+              <a:t>2-я ветка: поиск плейлиста - пользователь вводит запрос на поиск, система ищет плейлист и проигрывает композиции из него, если он найден. Если не найден, то проверяется необходимость создания нового плейлиста. Если пользователь хочет создать новый плейлист, то система создает его.</a:t>
+            </a:r>
+          </a:p>
+          <a:p>
+            <a:pPr algn="l"/>
+            <a:r>
+              <a:rPr lang="ru-RU" b="0" i="0" dirty="0">
+                <a:solidFill>
+                  <a:srgbClr val="D1D5DB"/>
+                </a:solidFill>
+                <a:effectLst/>
+                <a:latin typeface="Söhne"/>
+              </a:rPr>
+              <a:t>3-я ветка: поиск плагина - пользователь вводит запрос на поиск, система ищет плагин и удаляет его, если он найден.</a:t>
+            </a:r>
+          </a:p>
+          <a:p>
+            <a:pPr algn="l"/>
+            <a:r>
+              <a:rPr lang="ru-RU" b="0" i="0" dirty="0">
+                <a:solidFill>
+                  <a:srgbClr val="D1D5DB"/>
+                </a:solidFill>
+                <a:effectLst/>
+                <a:latin typeface="Söhne"/>
+              </a:rPr>
+              <a:t>Диаграмма деятельности завершается узлом "</a:t>
+            </a:r>
+            <a:r>
+              <a:rPr lang="ru-RU" b="0" i="0" dirty="0" err="1">
+                <a:solidFill>
+                  <a:srgbClr val="D1D5DB"/>
+                </a:solidFill>
+                <a:effectLst/>
+                <a:latin typeface="Söhne"/>
+              </a:rPr>
+              <a:t>stop</a:t>
+            </a:r>
+            <a:r>
+              <a:rPr lang="ru-RU" b="0" i="0" dirty="0">
+                <a:solidFill>
+                  <a:srgbClr val="D1D5DB"/>
+                </a:solidFill>
+                <a:effectLst/>
+                <a:latin typeface="Söhne"/>
+              </a:rPr>
+              <a:t>", а ветки действий собираются обратно с помощью узла "</a:t>
+            </a:r>
+            <a:r>
+              <a:rPr lang="ru-RU" b="0" i="0" dirty="0" err="1">
+                <a:solidFill>
+                  <a:srgbClr val="D1D5DB"/>
+                </a:solidFill>
+                <a:effectLst/>
+                <a:latin typeface="Söhne"/>
+              </a:rPr>
+              <a:t>join</a:t>
+            </a:r>
+            <a:r>
+              <a:rPr lang="ru-RU" b="0" i="0" dirty="0">
+                <a:solidFill>
+                  <a:srgbClr val="D1D5DB"/>
+                </a:solidFill>
+                <a:effectLst/>
+                <a:latin typeface="Söhne"/>
+              </a:rPr>
+              <a:t>".</a:t>
+            </a:r>
+          </a:p>
+          <a:p>
+            <a:endParaRPr lang="ru-RU" dirty="0"/>
+          </a:p>
+          <a:p>
+            <a:endParaRPr lang="ru-RU" dirty="0"/>
+          </a:p>
+        </p:txBody>
+      </p:sp>
+      <p:sp>
+        <p:nvSpPr>
+          <p:cNvPr id="4" name="Номер слайда 3"/>
+          <p:cNvSpPr>
+            <a:spLocks noGrp="1"/>
+          </p:cNvSpPr>
+          <p:nvPr>
+            <p:ph type="sldNum" sz="quarter" idx="5"/>
+          </p:nvPr>
+        </p:nvSpPr>
+        <p:spPr/>
+        <p:txBody>
+          <a:bodyPr/>
+          <a:lstStyle/>
+          <a:p>
+            <a:fld id="{367F8144-5135-4642-93A8-D22C9FAAE3A2}" type="slidenum">
+              <a:rPr lang="ru-RU" smtClean="0"/>
+              <a:t>6</a:t>
+            </a:fld>
+            <a:endParaRPr lang="ru-RU"/>
+          </a:p>
+        </p:txBody>
+      </p:sp>
+    </p:spTree>
+    <p:extLst>
+      <p:ext uri="{BB962C8B-B14F-4D97-AF65-F5344CB8AC3E}">
+        <p14:creationId xmlns:p14="http://schemas.microsoft.com/office/powerpoint/2010/main" val="2661801537"/>
+      </p:ext>
+    </p:extLst>
+  </p:cSld>
+  <p:clrMapOvr>
+    <a:masterClrMapping/>
+  </p:clrMapOvr>
+</p:notes>
+</file>
+
+<file path=ppt/notesSlides/notesSlide4.xml><?xml version="1.0" encoding="utf-8"?>
+<p:notes xmlns:a="http://schemas.openxmlformats.org/drawingml/2006/main" xmlns:r="http://schemas.openxmlformats.org/officeDocument/2006/relationships" xmlns:p="http://schemas.openxmlformats.org/presentationml/2006/main">
+  <p:cSld>
+    <p:spTree>
+      <p:nvGrpSpPr>
+        <p:cNvPr id="1" name=""/>
+        <p:cNvGrpSpPr/>
+        <p:nvPr/>
+      </p:nvGrpSpPr>
+      <p:grpSpPr>
+        <a:xfrm>
+          <a:off x="0" y="0"/>
+          <a:ext cx="0" cy="0"/>
+          <a:chOff x="0" y="0"/>
+          <a:chExt cx="0" cy="0"/>
+        </a:xfrm>
+      </p:grpSpPr>
+      <p:sp>
+        <p:nvSpPr>
+          <p:cNvPr id="2" name="Образ слайда 1"/>
+          <p:cNvSpPr>
+            <a:spLocks noGrp="1" noRot="1" noChangeAspect="1"/>
+          </p:cNvSpPr>
+          <p:nvPr>
+            <p:ph type="sldImg"/>
+          </p:nvPr>
+        </p:nvSpPr>
+        <p:spPr/>
+      </p:sp>
+      <p:sp>
+        <p:nvSpPr>
+          <p:cNvPr id="3" name="Заметки 2"/>
+          <p:cNvSpPr>
+            <a:spLocks noGrp="1"/>
+          </p:cNvSpPr>
+          <p:nvPr>
+            <p:ph type="body" idx="1"/>
+          </p:nvPr>
+        </p:nvSpPr>
+        <p:spPr/>
+        <p:txBody>
+          <a:bodyPr/>
+          <a:lstStyle/>
+          <a:p>
+            <a:pPr algn="l"/>
+            <a:r>
+              <a:rPr lang="ru-RU" b="0" i="0" dirty="0">
+                <a:solidFill>
+                  <a:srgbClr val="D1D5DB"/>
+                </a:solidFill>
+                <a:effectLst/>
+                <a:latin typeface="Söhne"/>
+              </a:rPr>
+              <a:t>Данная диаграмма последовательности описывает систему управления композициями, плейлистами и плагинами, которая взаимодействует с пользователем ПК. В системе управления композициями есть блок "Поиск композиций", который позволяет пользователю найти песню, затем выбрать композицию и проиграть ее с помощью "Проигрывателя".</a:t>
+            </a:r>
+          </a:p>
+          <a:p>
+            <a:pPr algn="l"/>
+            <a:r>
+              <a:rPr lang="ru-RU" b="0" i="0" dirty="0">
+                <a:solidFill>
+                  <a:srgbClr val="D1D5DB"/>
+                </a:solidFill>
+                <a:effectLst/>
+                <a:latin typeface="Söhne"/>
+              </a:rPr>
+              <a:t>В системе управления плейлистами есть блок "Поиск плейлистов", который позволяет пользователю найти плейлист, выбрать его и послушать композиции из него. Также в системе есть возможность создания плейлиста и изменения уже существующего.</a:t>
+            </a:r>
+          </a:p>
+          <a:p>
+            <a:pPr algn="l"/>
+            <a:r>
+              <a:rPr lang="ru-RU" b="0" i="0" dirty="0">
+                <a:solidFill>
+                  <a:srgbClr val="D1D5DB"/>
+                </a:solidFill>
+                <a:effectLst/>
+                <a:latin typeface="Söhne"/>
+              </a:rPr>
+              <a:t>В системе управления плагинами есть блок "Поиск плагинов", который позволяет пользователю найти плагин, выбрать его, загрузить и удалить.</a:t>
+            </a:r>
+          </a:p>
+          <a:p>
+            <a:pPr algn="l"/>
+            <a:r>
+              <a:rPr lang="ru-RU" b="0" i="0" dirty="0">
+                <a:solidFill>
+                  <a:srgbClr val="D1D5DB"/>
+                </a:solidFill>
+                <a:effectLst/>
+                <a:latin typeface="Söhne"/>
+              </a:rPr>
+              <a:t>Во всех трех системах управления участвует пользователь ПК в роли актера, который инициирует процессы и взаимодействует с системой через блоки "Поиск" и "Управление".</a:t>
+            </a:r>
+          </a:p>
+          <a:p>
+            <a:endParaRPr lang="ru-RU" dirty="0"/>
+          </a:p>
+          <a:p>
+            <a:endParaRPr lang="ru-RU" dirty="0"/>
+          </a:p>
+        </p:txBody>
+      </p:sp>
+      <p:sp>
+        <p:nvSpPr>
+          <p:cNvPr id="4" name="Номер слайда 3"/>
+          <p:cNvSpPr>
+            <a:spLocks noGrp="1"/>
+          </p:cNvSpPr>
+          <p:nvPr>
+            <p:ph type="sldNum" sz="quarter" idx="5"/>
+          </p:nvPr>
+        </p:nvSpPr>
+        <p:spPr/>
+        <p:txBody>
+          <a:bodyPr/>
+          <a:lstStyle/>
+          <a:p>
+            <a:fld id="{367F8144-5135-4642-93A8-D22C9FAAE3A2}" type="slidenum">
+              <a:rPr lang="ru-RU" smtClean="0"/>
+              <a:t>7</a:t>
+            </a:fld>
+            <a:endParaRPr lang="ru-RU"/>
+          </a:p>
+        </p:txBody>
+      </p:sp>
+    </p:spTree>
+    <p:extLst>
+      <p:ext uri="{BB962C8B-B14F-4D97-AF65-F5344CB8AC3E}">
+        <p14:creationId xmlns:p14="http://schemas.microsoft.com/office/powerpoint/2010/main" val="3758879629"/>
+      </p:ext>
+    </p:extLst>
+  </p:cSld>
+  <p:clrMapOvr>
+    <a:masterClrMapping/>
+  </p:clrMapOvr>
+</p:notes>
+</file>
+
+<file path=ppt/notesSlides/notesSlide5.xml><?xml version="1.0" encoding="utf-8"?>
+<p:notes xmlns:a="http://schemas.openxmlformats.org/drawingml/2006/main" xmlns:r="http://schemas.openxmlformats.org/officeDocument/2006/relationships" xmlns:p="http://schemas.openxmlformats.org/presentationml/2006/main">
+  <p:cSld>
+    <p:spTree>
+      <p:nvGrpSpPr>
+        <p:cNvPr id="1" name=""/>
+        <p:cNvGrpSpPr/>
+        <p:nvPr/>
+      </p:nvGrpSpPr>
+      <p:grpSpPr>
+        <a:xfrm>
+          <a:off x="0" y="0"/>
+          <a:ext cx="0" cy="0"/>
+          <a:chOff x="0" y="0"/>
+          <a:chExt cx="0" cy="0"/>
+        </a:xfrm>
+      </p:grpSpPr>
+      <p:sp>
+        <p:nvSpPr>
+          <p:cNvPr id="2" name="Образ слайда 1"/>
+          <p:cNvSpPr>
+            <a:spLocks noGrp="1" noRot="1" noChangeAspect="1"/>
+          </p:cNvSpPr>
+          <p:nvPr>
+            <p:ph type="sldImg"/>
+          </p:nvPr>
+        </p:nvSpPr>
+        <p:spPr/>
+      </p:sp>
+      <p:sp>
+        <p:nvSpPr>
+          <p:cNvPr id="3" name="Заметки 2"/>
+          <p:cNvSpPr>
+            <a:spLocks noGrp="1"/>
+          </p:cNvSpPr>
+          <p:nvPr>
+            <p:ph type="body" idx="1"/>
+          </p:nvPr>
+        </p:nvSpPr>
+        <p:spPr/>
+        <p:txBody>
+          <a:bodyPr/>
+          <a:lstStyle/>
+          <a:p>
+            <a:endParaRPr lang="ru-RU" dirty="0"/>
+          </a:p>
+        </p:txBody>
+      </p:sp>
+      <p:sp>
+        <p:nvSpPr>
+          <p:cNvPr id="4" name="Номер слайда 3"/>
+          <p:cNvSpPr>
+            <a:spLocks noGrp="1"/>
+          </p:cNvSpPr>
+          <p:nvPr>
+            <p:ph type="sldNum" sz="quarter" idx="5"/>
+          </p:nvPr>
+        </p:nvSpPr>
+        <p:spPr/>
+        <p:txBody>
+          <a:bodyPr/>
+          <a:lstStyle/>
+          <a:p>
+            <a:fld id="{367F8144-5135-4642-93A8-D22C9FAAE3A2}" type="slidenum">
+              <a:rPr lang="ru-RU" smtClean="0"/>
+              <a:t>8</a:t>
+            </a:fld>
+            <a:endParaRPr lang="ru-RU"/>
+          </a:p>
+        </p:txBody>
+      </p:sp>
+    </p:spTree>
+    <p:extLst>
+      <p:ext uri="{BB962C8B-B14F-4D97-AF65-F5344CB8AC3E}">
+        <p14:creationId xmlns:p14="http://schemas.microsoft.com/office/powerpoint/2010/main" val="2793212055"/>
+      </p:ext>
+    </p:extLst>
+  </p:cSld>
+  <p:clrMapOvr>
+    <a:masterClrMapping/>
+  </p:clrMapOvr>
+</p:notes>
+</file>
+
 <file path=ppt/slideLayouts/slideLayout1.xml><?xml version="1.0" encoding="utf-8"?>
 <p:sldLayout xmlns:a="http://schemas.openxmlformats.org/drawingml/2006/main" xmlns:r="http://schemas.openxmlformats.org/officeDocument/2006/relationships" xmlns:p="http://schemas.openxmlformats.org/presentationml/2006/main" type="title" preserve="1">
   <p:cSld name="Титульный слайд">
@@ -619,7 +1750,7 @@
           <a:p>
             <a:fld id="{4218FE07-F10C-40B8-874B-53CA734C6D36}" type="datetime1">
               <a:rPr lang="ru-RU" smtClean="0"/>
-              <a:t>28.04.2023</a:t>
+              <a:t>29.04.2023</a:t>
             </a:fld>
             <a:endParaRPr lang="ru-RU"/>
           </a:p>
@@ -817,7 +1948,7 @@
           <a:p>
             <a:fld id="{1576FA52-34C3-499B-9B04-B20353B9A823}" type="datetime1">
               <a:rPr lang="ru-RU" smtClean="0"/>
-              <a:t>28.04.2023</a:t>
+              <a:t>29.04.2023</a:t>
             </a:fld>
             <a:endParaRPr lang="ru-RU"/>
           </a:p>
@@ -1025,7 +2156,7 @@
           <a:p>
             <a:fld id="{223CDCB9-BA69-4061-A5A6-A924D4C1DA3C}" type="datetime1">
               <a:rPr lang="ru-RU" smtClean="0"/>
-              <a:t>28.04.2023</a:t>
+              <a:t>29.04.2023</a:t>
             </a:fld>
             <a:endParaRPr lang="ru-RU"/>
           </a:p>
@@ -1223,7 +2354,7 @@
           <a:p>
             <a:fld id="{816FBBB4-1FAF-4157-A032-90E0F6351661}" type="datetime1">
               <a:rPr lang="ru-RU" smtClean="0"/>
-              <a:t>28.04.2023</a:t>
+              <a:t>29.04.2023</a:t>
             </a:fld>
             <a:endParaRPr lang="ru-RU"/>
           </a:p>
@@ -1498,7 +2629,7 @@
           <a:p>
             <a:fld id="{7FF70C7B-338F-47CB-93DE-C457A055E8D9}" type="datetime1">
               <a:rPr lang="ru-RU" smtClean="0"/>
-              <a:t>28.04.2023</a:t>
+              <a:t>29.04.2023</a:t>
             </a:fld>
             <a:endParaRPr lang="ru-RU"/>
           </a:p>
@@ -1763,7 +2894,7 @@
           <a:p>
             <a:fld id="{5F803828-CA1C-43AF-8431-4DBDED27C9A3}" type="datetime1">
               <a:rPr lang="ru-RU" smtClean="0"/>
-              <a:t>28.04.2023</a:t>
+              <a:t>29.04.2023</a:t>
             </a:fld>
             <a:endParaRPr lang="ru-RU"/>
           </a:p>
@@ -2175,7 +3306,7 @@
           <a:p>
             <a:fld id="{5EF04C7B-7E01-401B-942E-78CB8A298F79}" type="datetime1">
               <a:rPr lang="ru-RU" smtClean="0"/>
-              <a:t>28.04.2023</a:t>
+              <a:t>29.04.2023</a:t>
             </a:fld>
             <a:endParaRPr lang="ru-RU"/>
           </a:p>
@@ -2316,7 +3447,7 @@
           <a:p>
             <a:fld id="{8A7E0061-B582-49F9-9C0E-897AFC2C14BD}" type="datetime1">
               <a:rPr lang="ru-RU" smtClean="0"/>
-              <a:t>28.04.2023</a:t>
+              <a:t>29.04.2023</a:t>
             </a:fld>
             <a:endParaRPr lang="ru-RU"/>
           </a:p>
@@ -2429,7 +3560,7 @@
           <a:p>
             <a:fld id="{34BCD98F-2CAD-409E-AEAB-DE84A3CA91BF}" type="datetime1">
               <a:rPr lang="ru-RU" smtClean="0"/>
-              <a:t>28.04.2023</a:t>
+              <a:t>29.04.2023</a:t>
             </a:fld>
             <a:endParaRPr lang="ru-RU"/>
           </a:p>
@@ -2740,7 +3871,7 @@
           <a:p>
             <a:fld id="{487EECCD-23D8-4EE6-BB8E-484B87FF5DAB}" type="datetime1">
               <a:rPr lang="ru-RU" smtClean="0"/>
-              <a:t>28.04.2023</a:t>
+              <a:t>29.04.2023</a:t>
             </a:fld>
             <a:endParaRPr lang="ru-RU"/>
           </a:p>
@@ -3028,7 +4159,7 @@
           <a:p>
             <a:fld id="{DE6E230C-C5A8-4DFF-AA1D-B2668BED08E1}" type="datetime1">
               <a:rPr lang="ru-RU" smtClean="0"/>
-              <a:t>28.04.2023</a:t>
+              <a:t>29.04.2023</a:t>
             </a:fld>
             <a:endParaRPr lang="ru-RU"/>
           </a:p>
@@ -3269,7 +4400,7 @@
           <a:p>
             <a:fld id="{E4694586-5B9A-4CC4-A776-4F868EB9C8C9}" type="datetime1">
               <a:rPr lang="ru-RU" smtClean="0"/>
-              <a:t>28.04.2023</a:t>
+              <a:t>29.04.2023</a:t>
             </a:fld>
             <a:endParaRPr lang="ru-RU"/>
           </a:p>
@@ -3689,49 +4820,336 @@
       </p:grpSpPr>
       <p:sp>
         <p:nvSpPr>
-          <p:cNvPr id="2" name="Номер слайда 1">
-            <a:extLst>
-              <a:ext uri="{FF2B5EF4-FFF2-40B4-BE49-F238E27FC236}">
-                <a16:creationId xmlns:a16="http://schemas.microsoft.com/office/drawing/2014/main" id="{C8B0E166-D864-CA1E-9B94-FB4AA44AF8FD}"/>
-              </a:ext>
-            </a:extLst>
-          </p:cNvPr>
-          <p:cNvSpPr>
-            <a:spLocks noGrp="1"/>
-          </p:cNvSpPr>
-          <p:nvPr>
-            <p:ph type="sldNum" sz="quarter" idx="12"/>
-          </p:nvPr>
+          <p:cNvPr id="3" name="TextBox 2">
+            <a:extLst>
+              <a:ext uri="{FF2B5EF4-FFF2-40B4-BE49-F238E27FC236}">
+                <a16:creationId xmlns:a16="http://schemas.microsoft.com/office/drawing/2014/main" id="{74483A56-F34C-D540-2CF7-AC9894B58B22}"/>
+              </a:ext>
+            </a:extLst>
+          </p:cNvPr>
+          <p:cNvSpPr txBox="1"/>
+          <p:nvPr/>
         </p:nvSpPr>
         <p:spPr>
           <a:xfrm>
-            <a:off x="11708363" y="6356350"/>
-            <a:ext cx="483637" cy="365125"/>
+            <a:off x="1926045" y="460951"/>
+            <a:ext cx="8339909" cy="1600438"/>
           </a:xfrm>
+          <a:prstGeom prst="rect">
+            <a:avLst/>
+          </a:prstGeom>
+          <a:noFill/>
         </p:spPr>
         <p:txBody>
-          <a:bodyPr/>
+          <a:bodyPr wrap="square" rtlCol="0">
+            <a:spAutoFit/>
+          </a:bodyPr>
           <a:lstStyle/>
           <a:p>
             <a:pPr algn="ctr"/>
-            <a:fld id="{D100EC64-3FE9-4C10-B8B9-5C820C63BC0F}" type="slidenum">
-              <a:rPr lang="ru-RU" sz="1400" smtClean="0">
+            <a:r>
+              <a:rPr lang="ru-RU" sz="1400" dirty="0">
                 <a:solidFill>
-                  <a:schemeClr val="tx1"/>
+                  <a:srgbClr val="000000"/>
                 </a:solidFill>
-                <a:latin typeface="Times New Roman" panose="02020603050405020304" pitchFamily="18" charset="0"/>
-                <a:cs typeface="Times New Roman" panose="02020603050405020304" pitchFamily="18" charset="0"/>
-              </a:rPr>
-              <a:pPr algn="ctr"/>
-              <a:t>1</a:t>
-            </a:fld>
-            <a:endParaRPr lang="ru-RU" sz="1400">
-              <a:solidFill>
-                <a:schemeClr val="tx1"/>
-              </a:solidFill>
+                <a:effectLst/>
+                <a:latin typeface="Times New Roman" panose="02020603050405020304" pitchFamily="18" charset="0"/>
+                <a:ea typeface="Times New Roman" panose="02020603050405020304" pitchFamily="18" charset="0"/>
+              </a:rPr>
+              <a:t>МИНИСТЕРСТВО НАУКИ И ВЫСШЕГО ОБРАЗОВАНИЯ РОССИЙСКОЙ ФЕДЕРАЦИИ</a:t>
+            </a:r>
+            <a:endParaRPr lang="ru-RU" sz="1400" dirty="0">
+              <a:effectLst/>
               <a:latin typeface="Times New Roman" panose="02020603050405020304" pitchFamily="18" charset="0"/>
-              <a:cs typeface="Times New Roman" panose="02020603050405020304" pitchFamily="18" charset="0"/>
+              <a:ea typeface="Times New Roman" panose="02020603050405020304" pitchFamily="18" charset="0"/>
             </a:endParaRPr>
+          </a:p>
+          <a:p>
+            <a:pPr algn="ctr"/>
+            <a:r>
+              <a:rPr lang="ru-RU" sz="1400" dirty="0">
+                <a:solidFill>
+                  <a:srgbClr val="000000"/>
+                </a:solidFill>
+                <a:effectLst/>
+                <a:latin typeface="Times New Roman" panose="02020603050405020304" pitchFamily="18" charset="0"/>
+                <a:ea typeface="Times New Roman" panose="02020603050405020304" pitchFamily="18" charset="0"/>
+              </a:rPr>
+              <a:t>Федеральное государственное автономное образовательное </a:t>
+            </a:r>
+            <a:br>
+              <a:rPr lang="ru-RU" sz="1400" dirty="0">
+                <a:solidFill>
+                  <a:srgbClr val="000000"/>
+                </a:solidFill>
+                <a:effectLst/>
+                <a:latin typeface="Times New Roman" panose="02020603050405020304" pitchFamily="18" charset="0"/>
+                <a:ea typeface="Times New Roman" panose="02020603050405020304" pitchFamily="18" charset="0"/>
+              </a:rPr>
+            </a:br>
+            <a:r>
+              <a:rPr lang="ru-RU" sz="1400" dirty="0">
+                <a:solidFill>
+                  <a:srgbClr val="000000"/>
+                </a:solidFill>
+                <a:effectLst/>
+                <a:latin typeface="Times New Roman" panose="02020603050405020304" pitchFamily="18" charset="0"/>
+                <a:ea typeface="Times New Roman" panose="02020603050405020304" pitchFamily="18" charset="0"/>
+              </a:rPr>
+              <a:t>учреждение высшего образования</a:t>
+            </a:r>
+            <a:endParaRPr lang="ru-RU" sz="1400" dirty="0">
+              <a:effectLst/>
+              <a:latin typeface="Times New Roman" panose="02020603050405020304" pitchFamily="18" charset="0"/>
+              <a:ea typeface="Times New Roman" panose="02020603050405020304" pitchFamily="18" charset="0"/>
+            </a:endParaRPr>
+          </a:p>
+          <a:p>
+            <a:pPr algn="ctr"/>
+            <a:r>
+              <a:rPr lang="ru-RU" sz="1400" b="1" dirty="0">
+                <a:solidFill>
+                  <a:srgbClr val="000000"/>
+                </a:solidFill>
+                <a:effectLst/>
+                <a:latin typeface="Times New Roman" panose="02020603050405020304" pitchFamily="18" charset="0"/>
+                <a:ea typeface="Times New Roman" panose="02020603050405020304" pitchFamily="18" charset="0"/>
+              </a:rPr>
+              <a:t>«Южно-Уральский государственный университет</a:t>
+            </a:r>
+            <a:endParaRPr lang="ru-RU" sz="1400" dirty="0">
+              <a:effectLst/>
+              <a:latin typeface="Times New Roman" panose="02020603050405020304" pitchFamily="18" charset="0"/>
+              <a:ea typeface="Times New Roman" panose="02020603050405020304" pitchFamily="18" charset="0"/>
+            </a:endParaRPr>
+          </a:p>
+          <a:p>
+            <a:pPr algn="ctr"/>
+            <a:r>
+              <a:rPr lang="ru-RU" sz="1400" b="1" dirty="0">
+                <a:solidFill>
+                  <a:srgbClr val="000000"/>
+                </a:solidFill>
+                <a:effectLst/>
+                <a:latin typeface="Times New Roman" panose="02020603050405020304" pitchFamily="18" charset="0"/>
+                <a:ea typeface="Times New Roman" panose="02020603050405020304" pitchFamily="18" charset="0"/>
+              </a:rPr>
+              <a:t>(национальный исследовательский университет)»</a:t>
+            </a:r>
+            <a:endParaRPr lang="ru-RU" sz="1400" dirty="0">
+              <a:effectLst/>
+              <a:latin typeface="Times New Roman" panose="02020603050405020304" pitchFamily="18" charset="0"/>
+              <a:ea typeface="Times New Roman" panose="02020603050405020304" pitchFamily="18" charset="0"/>
+            </a:endParaRPr>
+          </a:p>
+          <a:p>
+            <a:pPr algn="ctr"/>
+            <a:r>
+              <a:rPr lang="ru-RU" sz="1400" b="1" dirty="0">
+                <a:effectLst/>
+                <a:latin typeface="Times New Roman" panose="02020603050405020304" pitchFamily="18" charset="0"/>
+                <a:ea typeface="Times New Roman" panose="02020603050405020304" pitchFamily="18" charset="0"/>
+              </a:rPr>
+              <a:t>Высшая школа электроники и компьютерных наук</a:t>
+            </a:r>
+            <a:endParaRPr lang="ru-RU" sz="1400" dirty="0">
+              <a:effectLst/>
+              <a:latin typeface="Times New Roman" panose="02020603050405020304" pitchFamily="18" charset="0"/>
+              <a:ea typeface="Times New Roman" panose="02020603050405020304" pitchFamily="18" charset="0"/>
+            </a:endParaRPr>
+          </a:p>
+          <a:p>
+            <a:pPr algn="ctr"/>
+            <a:r>
+              <a:rPr lang="ru-RU" sz="1400" b="1" dirty="0">
+                <a:effectLst/>
+                <a:latin typeface="Times New Roman" panose="02020603050405020304" pitchFamily="18" charset="0"/>
+                <a:ea typeface="Times New Roman" panose="02020603050405020304" pitchFamily="18" charset="0"/>
+              </a:rPr>
+              <a:t>Кафедра системного программирования</a:t>
+            </a:r>
+            <a:endParaRPr lang="ru-RU" sz="1400" dirty="0">
+              <a:effectLst/>
+              <a:latin typeface="Times New Roman" panose="02020603050405020304" pitchFamily="18" charset="0"/>
+              <a:ea typeface="Times New Roman" panose="02020603050405020304" pitchFamily="18" charset="0"/>
+            </a:endParaRPr>
+          </a:p>
+        </p:txBody>
+      </p:sp>
+      <p:sp>
+        <p:nvSpPr>
+          <p:cNvPr id="5" name="TextBox 4">
+            <a:extLst>
+              <a:ext uri="{FF2B5EF4-FFF2-40B4-BE49-F238E27FC236}">
+                <a16:creationId xmlns:a16="http://schemas.microsoft.com/office/drawing/2014/main" id="{A0EB0C94-16BE-A783-2BD0-604EFB555F02}"/>
+              </a:ext>
+            </a:extLst>
+          </p:cNvPr>
+          <p:cNvSpPr txBox="1"/>
+          <p:nvPr/>
+        </p:nvSpPr>
+        <p:spPr>
+          <a:xfrm>
+            <a:off x="3048000" y="3118561"/>
+            <a:ext cx="6096000" cy="1200329"/>
+          </a:xfrm>
+          <a:prstGeom prst="rect">
+            <a:avLst/>
+          </a:prstGeom>
+          <a:noFill/>
+        </p:spPr>
+        <p:txBody>
+          <a:bodyPr wrap="square">
+            <a:spAutoFit/>
+          </a:bodyPr>
+          <a:lstStyle/>
+          <a:p>
+            <a:pPr algn="ctr">
+              <a:tabLst>
+                <a:tab pos="180340" algn="l"/>
+              </a:tabLst>
+            </a:pPr>
+            <a:r>
+              <a:rPr lang="ru-RU" sz="3600" b="1" dirty="0">
+                <a:effectLst/>
+                <a:latin typeface="Times New Roman" panose="02020603050405020304" pitchFamily="18" charset="0"/>
+                <a:ea typeface="Times New Roman" panose="02020603050405020304" pitchFamily="18" charset="0"/>
+              </a:rPr>
+              <a:t>Разработка приложения Аудиоплеер</a:t>
+            </a:r>
+            <a:endParaRPr lang="ru-RU" sz="3600" dirty="0">
+              <a:effectLst/>
+              <a:latin typeface="Times New Roman" panose="02020603050405020304" pitchFamily="18" charset="0"/>
+              <a:ea typeface="Times New Roman" panose="02020603050405020304" pitchFamily="18" charset="0"/>
+            </a:endParaRPr>
+          </a:p>
+        </p:txBody>
+      </p:sp>
+      <p:sp>
+        <p:nvSpPr>
+          <p:cNvPr id="7" name="TextBox 6">
+            <a:extLst>
+              <a:ext uri="{FF2B5EF4-FFF2-40B4-BE49-F238E27FC236}">
+                <a16:creationId xmlns:a16="http://schemas.microsoft.com/office/drawing/2014/main" id="{44A9B599-5D26-B81D-5AA0-41E8290ED534}"/>
+              </a:ext>
+            </a:extLst>
+          </p:cNvPr>
+          <p:cNvSpPr txBox="1"/>
+          <p:nvPr/>
+        </p:nvSpPr>
+        <p:spPr>
+          <a:xfrm>
+            <a:off x="304800" y="5438086"/>
+            <a:ext cx="2743200" cy="1061829"/>
+          </a:xfrm>
+          <a:prstGeom prst="rect">
+            <a:avLst/>
+          </a:prstGeom>
+          <a:noFill/>
+        </p:spPr>
+        <p:txBody>
+          <a:bodyPr wrap="square">
+            <a:spAutoFit/>
+          </a:bodyPr>
+          <a:lstStyle/>
+          <a:p>
+            <a:pPr marL="21590"/>
+            <a:r>
+              <a:rPr lang="ru-RU" dirty="0">
+                <a:effectLst/>
+                <a:latin typeface="Times New Roman" panose="02020603050405020304" pitchFamily="18" charset="0"/>
+                <a:ea typeface="Times New Roman" panose="02020603050405020304" pitchFamily="18" charset="0"/>
+              </a:rPr>
+              <a:t>Автор работы:</a:t>
+            </a:r>
+          </a:p>
+          <a:p>
+            <a:pPr marL="21590">
+              <a:lnSpc>
+                <a:spcPct val="150000"/>
+              </a:lnSpc>
+            </a:pPr>
+            <a:r>
+              <a:rPr lang="ru-RU" dirty="0">
+                <a:effectLst/>
+                <a:latin typeface="Times New Roman" panose="02020603050405020304" pitchFamily="18" charset="0"/>
+                <a:ea typeface="Times New Roman" panose="02020603050405020304" pitchFamily="18" charset="0"/>
+              </a:rPr>
+              <a:t>студент группы КЭ-303</a:t>
+            </a:r>
+          </a:p>
+          <a:p>
+            <a:r>
+              <a:rPr lang="ru-RU" dirty="0">
+                <a:effectLst/>
+                <a:latin typeface="Times New Roman" panose="02020603050405020304" pitchFamily="18" charset="0"/>
+                <a:ea typeface="Times New Roman" panose="02020603050405020304" pitchFamily="18" charset="0"/>
+              </a:rPr>
+              <a:t>Д.В. Старостенок</a:t>
+            </a:r>
+            <a:endParaRPr lang="ru-RU" dirty="0"/>
+          </a:p>
+        </p:txBody>
+      </p:sp>
+      <p:sp>
+        <p:nvSpPr>
+          <p:cNvPr id="9" name="TextBox 8">
+            <a:extLst>
+              <a:ext uri="{FF2B5EF4-FFF2-40B4-BE49-F238E27FC236}">
+                <a16:creationId xmlns:a16="http://schemas.microsoft.com/office/drawing/2014/main" id="{B06A89DA-20B3-BF47-344F-A7372A84404A}"/>
+              </a:ext>
+            </a:extLst>
+          </p:cNvPr>
+          <p:cNvSpPr txBox="1"/>
+          <p:nvPr/>
+        </p:nvSpPr>
+        <p:spPr>
+          <a:xfrm>
+            <a:off x="10129520" y="5745574"/>
+            <a:ext cx="1757680" cy="873572"/>
+          </a:xfrm>
+          <a:prstGeom prst="rect">
+            <a:avLst/>
+          </a:prstGeom>
+          <a:noFill/>
+        </p:spPr>
+        <p:txBody>
+          <a:bodyPr wrap="square">
+            <a:spAutoFit/>
+          </a:bodyPr>
+          <a:lstStyle/>
+          <a:p>
+            <a:pPr marL="22860" algn="just">
+              <a:lnSpc>
+                <a:spcPct val="150000"/>
+              </a:lnSpc>
+              <a:tabLst>
+                <a:tab pos="180340" algn="l"/>
+              </a:tabLst>
+            </a:pPr>
+            <a:r>
+              <a:rPr lang="ru-RU" dirty="0">
+                <a:effectLst/>
+                <a:latin typeface="Times New Roman" panose="02020603050405020304" pitchFamily="18" charset="0"/>
+                <a:ea typeface="Times New Roman" panose="02020603050405020304" pitchFamily="18" charset="0"/>
+              </a:rPr>
+              <a:t>Преподаватель</a:t>
+            </a:r>
+          </a:p>
+          <a:p>
+            <a:pPr marL="22860" algn="just">
+              <a:lnSpc>
+                <a:spcPct val="150000"/>
+              </a:lnSpc>
+            </a:pPr>
+            <a:r>
+              <a:rPr lang="ru-RU" dirty="0">
+                <a:effectLst/>
+                <a:latin typeface="Times New Roman" panose="02020603050405020304" pitchFamily="18" charset="0"/>
+                <a:ea typeface="Times New Roman" panose="02020603050405020304" pitchFamily="18" charset="0"/>
+              </a:rPr>
+              <a:t>П.Д. Ческидов</a:t>
+            </a:r>
           </a:p>
         </p:txBody>
       </p:sp>
@@ -3739,396 +5157,6 @@
     <p:extLst>
       <p:ext uri="{BB962C8B-B14F-4D97-AF65-F5344CB8AC3E}">
         <p14:creationId xmlns:p14="http://schemas.microsoft.com/office/powerpoint/2010/main" val="3695814759"/>
-      </p:ext>
-    </p:extLst>
-  </p:cSld>
-  <p:clrMapOvr>
-    <a:masterClrMapping/>
-  </p:clrMapOvr>
-</p:sld>
-</file>
-
-<file path=ppt/slides/slide10.xml><?xml version="1.0" encoding="utf-8"?>
-<p:sld xmlns:a="http://schemas.openxmlformats.org/drawingml/2006/main" xmlns:r="http://schemas.openxmlformats.org/officeDocument/2006/relationships" xmlns:p="http://schemas.openxmlformats.org/presentationml/2006/main">
-  <p:cSld>
-    <p:spTree>
-      <p:nvGrpSpPr>
-        <p:cNvPr id="1" name=""/>
-        <p:cNvGrpSpPr/>
-        <p:nvPr/>
-      </p:nvGrpSpPr>
-      <p:grpSpPr>
-        <a:xfrm>
-          <a:off x="0" y="0"/>
-          <a:ext cx="0" cy="0"/>
-          <a:chOff x="0" y="0"/>
-          <a:chExt cx="0" cy="0"/>
-        </a:xfrm>
-      </p:grpSpPr>
-      <p:sp>
-        <p:nvSpPr>
-          <p:cNvPr id="2" name="Номер слайда 1">
-            <a:extLst>
-              <a:ext uri="{FF2B5EF4-FFF2-40B4-BE49-F238E27FC236}">
-                <a16:creationId xmlns:a16="http://schemas.microsoft.com/office/drawing/2014/main" id="{C8B0E166-D864-CA1E-9B94-FB4AA44AF8FD}"/>
-              </a:ext>
-            </a:extLst>
-          </p:cNvPr>
-          <p:cNvSpPr>
-            <a:spLocks noGrp="1"/>
-          </p:cNvSpPr>
-          <p:nvPr>
-            <p:ph type="sldNum" sz="quarter" idx="12"/>
-          </p:nvPr>
-        </p:nvSpPr>
-        <p:spPr>
-          <a:xfrm>
-            <a:off x="11708363" y="6356350"/>
-            <a:ext cx="483637" cy="365125"/>
-          </a:xfrm>
-        </p:spPr>
-        <p:txBody>
-          <a:bodyPr/>
-          <a:lstStyle/>
-          <a:p>
-            <a:pPr algn="ctr"/>
-            <a:fld id="{D100EC64-3FE9-4C10-B8B9-5C820C63BC0F}" type="slidenum">
-              <a:rPr lang="ru-RU" sz="1400" smtClean="0">
-                <a:solidFill>
-                  <a:schemeClr val="tx1"/>
-                </a:solidFill>
-                <a:latin typeface="Times New Roman" panose="02020603050405020304" pitchFamily="18" charset="0"/>
-                <a:cs typeface="Times New Roman" panose="02020603050405020304" pitchFamily="18" charset="0"/>
-              </a:rPr>
-              <a:pPr algn="ctr"/>
-              <a:t>10</a:t>
-            </a:fld>
-            <a:endParaRPr lang="ru-RU" sz="1400">
-              <a:solidFill>
-                <a:schemeClr val="tx1"/>
-              </a:solidFill>
-              <a:latin typeface="Times New Roman" panose="02020603050405020304" pitchFamily="18" charset="0"/>
-              <a:cs typeface="Times New Roman" panose="02020603050405020304" pitchFamily="18" charset="0"/>
-            </a:endParaRPr>
-          </a:p>
-        </p:txBody>
-      </p:sp>
-    </p:spTree>
-    <p:extLst>
-      <p:ext uri="{BB962C8B-B14F-4D97-AF65-F5344CB8AC3E}">
-        <p14:creationId xmlns:p14="http://schemas.microsoft.com/office/powerpoint/2010/main" val="504630741"/>
-      </p:ext>
-    </p:extLst>
-  </p:cSld>
-  <p:clrMapOvr>
-    <a:masterClrMapping/>
-  </p:clrMapOvr>
-</p:sld>
-</file>
-
-<file path=ppt/slides/slide11.xml><?xml version="1.0" encoding="utf-8"?>
-<p:sld xmlns:a="http://schemas.openxmlformats.org/drawingml/2006/main" xmlns:r="http://schemas.openxmlformats.org/officeDocument/2006/relationships" xmlns:p="http://schemas.openxmlformats.org/presentationml/2006/main">
-  <p:cSld>
-    <p:spTree>
-      <p:nvGrpSpPr>
-        <p:cNvPr id="1" name=""/>
-        <p:cNvGrpSpPr/>
-        <p:nvPr/>
-      </p:nvGrpSpPr>
-      <p:grpSpPr>
-        <a:xfrm>
-          <a:off x="0" y="0"/>
-          <a:ext cx="0" cy="0"/>
-          <a:chOff x="0" y="0"/>
-          <a:chExt cx="0" cy="0"/>
-        </a:xfrm>
-      </p:grpSpPr>
-      <p:sp>
-        <p:nvSpPr>
-          <p:cNvPr id="2" name="Номер слайда 1">
-            <a:extLst>
-              <a:ext uri="{FF2B5EF4-FFF2-40B4-BE49-F238E27FC236}">
-                <a16:creationId xmlns:a16="http://schemas.microsoft.com/office/drawing/2014/main" id="{C8B0E166-D864-CA1E-9B94-FB4AA44AF8FD}"/>
-              </a:ext>
-            </a:extLst>
-          </p:cNvPr>
-          <p:cNvSpPr>
-            <a:spLocks noGrp="1"/>
-          </p:cNvSpPr>
-          <p:nvPr>
-            <p:ph type="sldNum" sz="quarter" idx="12"/>
-          </p:nvPr>
-        </p:nvSpPr>
-        <p:spPr>
-          <a:xfrm>
-            <a:off x="11708363" y="6356350"/>
-            <a:ext cx="483637" cy="365125"/>
-          </a:xfrm>
-        </p:spPr>
-        <p:txBody>
-          <a:bodyPr/>
-          <a:lstStyle/>
-          <a:p>
-            <a:pPr algn="ctr"/>
-            <a:fld id="{D100EC64-3FE9-4C10-B8B9-5C820C63BC0F}" type="slidenum">
-              <a:rPr lang="ru-RU" sz="1400" smtClean="0">
-                <a:solidFill>
-                  <a:schemeClr val="tx1"/>
-                </a:solidFill>
-                <a:latin typeface="Times New Roman" panose="02020603050405020304" pitchFamily="18" charset="0"/>
-                <a:cs typeface="Times New Roman" panose="02020603050405020304" pitchFamily="18" charset="0"/>
-              </a:rPr>
-              <a:pPr algn="ctr"/>
-              <a:t>11</a:t>
-            </a:fld>
-            <a:endParaRPr lang="ru-RU" sz="1400">
-              <a:solidFill>
-                <a:schemeClr val="tx1"/>
-              </a:solidFill>
-              <a:latin typeface="Times New Roman" panose="02020603050405020304" pitchFamily="18" charset="0"/>
-              <a:cs typeface="Times New Roman" panose="02020603050405020304" pitchFamily="18" charset="0"/>
-            </a:endParaRPr>
-          </a:p>
-        </p:txBody>
-      </p:sp>
-    </p:spTree>
-    <p:extLst>
-      <p:ext uri="{BB962C8B-B14F-4D97-AF65-F5344CB8AC3E}">
-        <p14:creationId xmlns:p14="http://schemas.microsoft.com/office/powerpoint/2010/main" val="569750043"/>
-      </p:ext>
-    </p:extLst>
-  </p:cSld>
-  <p:clrMapOvr>
-    <a:masterClrMapping/>
-  </p:clrMapOvr>
-</p:sld>
-</file>
-
-<file path=ppt/slides/slide12.xml><?xml version="1.0" encoding="utf-8"?>
-<p:sld xmlns:a="http://schemas.openxmlformats.org/drawingml/2006/main" xmlns:r="http://schemas.openxmlformats.org/officeDocument/2006/relationships" xmlns:p="http://schemas.openxmlformats.org/presentationml/2006/main">
-  <p:cSld>
-    <p:spTree>
-      <p:nvGrpSpPr>
-        <p:cNvPr id="1" name=""/>
-        <p:cNvGrpSpPr/>
-        <p:nvPr/>
-      </p:nvGrpSpPr>
-      <p:grpSpPr>
-        <a:xfrm>
-          <a:off x="0" y="0"/>
-          <a:ext cx="0" cy="0"/>
-          <a:chOff x="0" y="0"/>
-          <a:chExt cx="0" cy="0"/>
-        </a:xfrm>
-      </p:grpSpPr>
-      <p:sp>
-        <p:nvSpPr>
-          <p:cNvPr id="2" name="Номер слайда 1">
-            <a:extLst>
-              <a:ext uri="{FF2B5EF4-FFF2-40B4-BE49-F238E27FC236}">
-                <a16:creationId xmlns:a16="http://schemas.microsoft.com/office/drawing/2014/main" id="{C8B0E166-D864-CA1E-9B94-FB4AA44AF8FD}"/>
-              </a:ext>
-            </a:extLst>
-          </p:cNvPr>
-          <p:cNvSpPr>
-            <a:spLocks noGrp="1"/>
-          </p:cNvSpPr>
-          <p:nvPr>
-            <p:ph type="sldNum" sz="quarter" idx="12"/>
-          </p:nvPr>
-        </p:nvSpPr>
-        <p:spPr>
-          <a:xfrm>
-            <a:off x="11708363" y="6356350"/>
-            <a:ext cx="483637" cy="365125"/>
-          </a:xfrm>
-        </p:spPr>
-        <p:txBody>
-          <a:bodyPr/>
-          <a:lstStyle/>
-          <a:p>
-            <a:pPr algn="ctr"/>
-            <a:fld id="{D100EC64-3FE9-4C10-B8B9-5C820C63BC0F}" type="slidenum">
-              <a:rPr lang="ru-RU" sz="1400" smtClean="0">
-                <a:solidFill>
-                  <a:schemeClr val="tx1"/>
-                </a:solidFill>
-                <a:latin typeface="Times New Roman" panose="02020603050405020304" pitchFamily="18" charset="0"/>
-                <a:cs typeface="Times New Roman" panose="02020603050405020304" pitchFamily="18" charset="0"/>
-              </a:rPr>
-              <a:pPr algn="ctr"/>
-              <a:t>12</a:t>
-            </a:fld>
-            <a:endParaRPr lang="ru-RU" sz="1400">
-              <a:solidFill>
-                <a:schemeClr val="tx1"/>
-              </a:solidFill>
-              <a:latin typeface="Times New Roman" panose="02020603050405020304" pitchFamily="18" charset="0"/>
-              <a:cs typeface="Times New Roman" panose="02020603050405020304" pitchFamily="18" charset="0"/>
-            </a:endParaRPr>
-          </a:p>
-        </p:txBody>
-      </p:sp>
-    </p:spTree>
-    <p:extLst>
-      <p:ext uri="{BB962C8B-B14F-4D97-AF65-F5344CB8AC3E}">
-        <p14:creationId xmlns:p14="http://schemas.microsoft.com/office/powerpoint/2010/main" val="1876792857"/>
-      </p:ext>
-    </p:extLst>
-  </p:cSld>
-  <p:clrMapOvr>
-    <a:masterClrMapping/>
-  </p:clrMapOvr>
-</p:sld>
-</file>
-
-<file path=ppt/slides/slide13.xml><?xml version="1.0" encoding="utf-8"?>
-<p:sld xmlns:a="http://schemas.openxmlformats.org/drawingml/2006/main" xmlns:r="http://schemas.openxmlformats.org/officeDocument/2006/relationships" xmlns:p="http://schemas.openxmlformats.org/presentationml/2006/main">
-  <p:cSld>
-    <p:spTree>
-      <p:nvGrpSpPr>
-        <p:cNvPr id="1" name=""/>
-        <p:cNvGrpSpPr/>
-        <p:nvPr/>
-      </p:nvGrpSpPr>
-      <p:grpSpPr>
-        <a:xfrm>
-          <a:off x="0" y="0"/>
-          <a:ext cx="0" cy="0"/>
-          <a:chOff x="0" y="0"/>
-          <a:chExt cx="0" cy="0"/>
-        </a:xfrm>
-      </p:grpSpPr>
-      <p:sp>
-        <p:nvSpPr>
-          <p:cNvPr id="2" name="Номер слайда 1">
-            <a:extLst>
-              <a:ext uri="{FF2B5EF4-FFF2-40B4-BE49-F238E27FC236}">
-                <a16:creationId xmlns:a16="http://schemas.microsoft.com/office/drawing/2014/main" id="{C8B0E166-D864-CA1E-9B94-FB4AA44AF8FD}"/>
-              </a:ext>
-            </a:extLst>
-          </p:cNvPr>
-          <p:cNvSpPr>
-            <a:spLocks noGrp="1"/>
-          </p:cNvSpPr>
-          <p:nvPr>
-            <p:ph type="sldNum" sz="quarter" idx="12"/>
-          </p:nvPr>
-        </p:nvSpPr>
-        <p:spPr>
-          <a:xfrm>
-            <a:off x="11708363" y="6356350"/>
-            <a:ext cx="483637" cy="365125"/>
-          </a:xfrm>
-        </p:spPr>
-        <p:txBody>
-          <a:bodyPr/>
-          <a:lstStyle/>
-          <a:p>
-            <a:pPr algn="ctr"/>
-            <a:fld id="{D100EC64-3FE9-4C10-B8B9-5C820C63BC0F}" type="slidenum">
-              <a:rPr lang="ru-RU" sz="1400" smtClean="0">
-                <a:solidFill>
-                  <a:schemeClr val="tx1"/>
-                </a:solidFill>
-                <a:latin typeface="Times New Roman" panose="02020603050405020304" pitchFamily="18" charset="0"/>
-                <a:cs typeface="Times New Roman" panose="02020603050405020304" pitchFamily="18" charset="0"/>
-              </a:rPr>
-              <a:pPr algn="ctr"/>
-              <a:t>13</a:t>
-            </a:fld>
-            <a:endParaRPr lang="ru-RU" sz="1400">
-              <a:solidFill>
-                <a:schemeClr val="tx1"/>
-              </a:solidFill>
-              <a:latin typeface="Times New Roman" panose="02020603050405020304" pitchFamily="18" charset="0"/>
-              <a:cs typeface="Times New Roman" panose="02020603050405020304" pitchFamily="18" charset="0"/>
-            </a:endParaRPr>
-          </a:p>
-        </p:txBody>
-      </p:sp>
-    </p:spTree>
-    <p:extLst>
-      <p:ext uri="{BB962C8B-B14F-4D97-AF65-F5344CB8AC3E}">
-        <p14:creationId xmlns:p14="http://schemas.microsoft.com/office/powerpoint/2010/main" val="1106246834"/>
-      </p:ext>
-    </p:extLst>
-  </p:cSld>
-  <p:clrMapOvr>
-    <a:masterClrMapping/>
-  </p:clrMapOvr>
-</p:sld>
-</file>
-
-<file path=ppt/slides/slide14.xml><?xml version="1.0" encoding="utf-8"?>
-<p:sld xmlns:a="http://schemas.openxmlformats.org/drawingml/2006/main" xmlns:r="http://schemas.openxmlformats.org/officeDocument/2006/relationships" xmlns:p="http://schemas.openxmlformats.org/presentationml/2006/main">
-  <p:cSld>
-    <p:spTree>
-      <p:nvGrpSpPr>
-        <p:cNvPr id="1" name=""/>
-        <p:cNvGrpSpPr/>
-        <p:nvPr/>
-      </p:nvGrpSpPr>
-      <p:grpSpPr>
-        <a:xfrm>
-          <a:off x="0" y="0"/>
-          <a:ext cx="0" cy="0"/>
-          <a:chOff x="0" y="0"/>
-          <a:chExt cx="0" cy="0"/>
-        </a:xfrm>
-      </p:grpSpPr>
-      <p:sp>
-        <p:nvSpPr>
-          <p:cNvPr id="2" name="Номер слайда 1">
-            <a:extLst>
-              <a:ext uri="{FF2B5EF4-FFF2-40B4-BE49-F238E27FC236}">
-                <a16:creationId xmlns:a16="http://schemas.microsoft.com/office/drawing/2014/main" id="{C8B0E166-D864-CA1E-9B94-FB4AA44AF8FD}"/>
-              </a:ext>
-            </a:extLst>
-          </p:cNvPr>
-          <p:cNvSpPr>
-            <a:spLocks noGrp="1"/>
-          </p:cNvSpPr>
-          <p:nvPr>
-            <p:ph type="sldNum" sz="quarter" idx="12"/>
-          </p:nvPr>
-        </p:nvSpPr>
-        <p:spPr>
-          <a:xfrm>
-            <a:off x="11708363" y="6356350"/>
-            <a:ext cx="483637" cy="365125"/>
-          </a:xfrm>
-        </p:spPr>
-        <p:txBody>
-          <a:bodyPr/>
-          <a:lstStyle/>
-          <a:p>
-            <a:pPr algn="ctr"/>
-            <a:fld id="{D100EC64-3FE9-4C10-B8B9-5C820C63BC0F}" type="slidenum">
-              <a:rPr lang="ru-RU" sz="1400" smtClean="0">
-                <a:solidFill>
-                  <a:schemeClr val="tx1"/>
-                </a:solidFill>
-                <a:latin typeface="Times New Roman" panose="02020603050405020304" pitchFamily="18" charset="0"/>
-                <a:cs typeface="Times New Roman" panose="02020603050405020304" pitchFamily="18" charset="0"/>
-              </a:rPr>
-              <a:pPr algn="ctr"/>
-              <a:t>14</a:t>
-            </a:fld>
-            <a:endParaRPr lang="ru-RU" sz="1400">
-              <a:solidFill>
-                <a:schemeClr val="tx1"/>
-              </a:solidFill>
-              <a:latin typeface="Times New Roman" panose="02020603050405020304" pitchFamily="18" charset="0"/>
-              <a:cs typeface="Times New Roman" panose="02020603050405020304" pitchFamily="18" charset="0"/>
-            </a:endParaRPr>
-          </a:p>
-        </p:txBody>
-      </p:sp>
-    </p:spTree>
-    <p:extLst>
-      <p:ext uri="{BB962C8B-B14F-4D97-AF65-F5344CB8AC3E}">
-        <p14:creationId xmlns:p14="http://schemas.microsoft.com/office/powerpoint/2010/main" val="572609274"/>
       </p:ext>
     </p:extLst>
   </p:cSld>
@@ -4200,6 +5228,129 @@
               <a:latin typeface="Times New Roman" panose="02020603050405020304" pitchFamily="18" charset="0"/>
               <a:cs typeface="Times New Roman" panose="02020603050405020304" pitchFamily="18" charset="0"/>
             </a:endParaRPr>
+          </a:p>
+        </p:txBody>
+      </p:sp>
+      <p:sp>
+        <p:nvSpPr>
+          <p:cNvPr id="3" name="TextBox 2">
+            <a:extLst>
+              <a:ext uri="{FF2B5EF4-FFF2-40B4-BE49-F238E27FC236}">
+                <a16:creationId xmlns:a16="http://schemas.microsoft.com/office/drawing/2014/main" id="{D07C9C05-57F2-318E-3F10-A65E8B4F9FE9}"/>
+              </a:ext>
+            </a:extLst>
+          </p:cNvPr>
+          <p:cNvSpPr txBox="1"/>
+          <p:nvPr/>
+        </p:nvSpPr>
+        <p:spPr>
+          <a:xfrm>
+            <a:off x="0" y="0"/>
+            <a:ext cx="12192000" cy="769441"/>
+          </a:xfrm>
+          <a:prstGeom prst="rect">
+            <a:avLst/>
+          </a:prstGeom>
+          <a:noFill/>
+        </p:spPr>
+        <p:txBody>
+          <a:bodyPr wrap="square" rtlCol="0">
+            <a:spAutoFit/>
+          </a:bodyPr>
+          <a:lstStyle/>
+          <a:p>
+            <a:pPr algn="ctr"/>
+            <a:r>
+              <a:rPr lang="ru-RU" sz="4400" b="1" dirty="0">
+                <a:latin typeface="Times New Roman" panose="02020603050405020304" pitchFamily="18" charset="0"/>
+                <a:cs typeface="Times New Roman" panose="02020603050405020304" pitchFamily="18" charset="0"/>
+              </a:rPr>
+              <a:t>Актуальность</a:t>
+            </a:r>
+          </a:p>
+        </p:txBody>
+      </p:sp>
+      <p:sp>
+        <p:nvSpPr>
+          <p:cNvPr id="4" name="TextBox 3">
+            <a:extLst>
+              <a:ext uri="{FF2B5EF4-FFF2-40B4-BE49-F238E27FC236}">
+                <a16:creationId xmlns:a16="http://schemas.microsoft.com/office/drawing/2014/main" id="{368AE8EA-30CC-13A4-5E4C-1D99415AB108}"/>
+              </a:ext>
+            </a:extLst>
+          </p:cNvPr>
+          <p:cNvSpPr txBox="1"/>
+          <p:nvPr/>
+        </p:nvSpPr>
+        <p:spPr>
+          <a:xfrm>
+            <a:off x="304800" y="924560"/>
+            <a:ext cx="11480800" cy="5185522"/>
+          </a:xfrm>
+          <a:prstGeom prst="rect">
+            <a:avLst/>
+          </a:prstGeom>
+          <a:noFill/>
+        </p:spPr>
+        <p:txBody>
+          <a:bodyPr wrap="square" rtlCol="0">
+            <a:spAutoFit/>
+          </a:bodyPr>
+          <a:lstStyle/>
+          <a:p>
+            <a:pPr indent="450215" algn="just">
+              <a:lnSpc>
+                <a:spcPct val="150000"/>
+              </a:lnSpc>
+            </a:pPr>
+            <a:r>
+              <a:rPr lang="ru-RU" sz="2800" dirty="0">
+                <a:effectLst/>
+                <a:latin typeface="Times New Roman" panose="02020603050405020304" pitchFamily="18" charset="0"/>
+                <a:ea typeface="Times New Roman" panose="02020603050405020304" pitchFamily="18" charset="0"/>
+              </a:rPr>
+              <a:t>В настоящее время аудиоплееры являются одними из самых популярных приложений на смартфонах, планшетах и компьютерах.</a:t>
+            </a:r>
+            <a:endParaRPr lang="en-US" sz="2800" dirty="0">
+              <a:effectLst/>
+              <a:latin typeface="Times New Roman" panose="02020603050405020304" pitchFamily="18" charset="0"/>
+              <a:ea typeface="Times New Roman" panose="02020603050405020304" pitchFamily="18" charset="0"/>
+            </a:endParaRPr>
+          </a:p>
+          <a:p>
+            <a:pPr indent="450215" algn="just">
+              <a:lnSpc>
+                <a:spcPct val="150000"/>
+              </a:lnSpc>
+            </a:pPr>
+            <a:r>
+              <a:rPr lang="ru-RU" sz="2800" dirty="0">
+                <a:effectLst/>
+                <a:latin typeface="Times New Roman" panose="02020603050405020304" pitchFamily="18" charset="0"/>
+                <a:ea typeface="Times New Roman" panose="02020603050405020304" pitchFamily="18" charset="0"/>
+              </a:rPr>
+              <a:t>Каждый день миллионы пользователей слушают музыку через различные аудиоплееры. </a:t>
+            </a:r>
+            <a:endParaRPr lang="en-US" sz="2800" dirty="0">
+              <a:effectLst/>
+              <a:latin typeface="Times New Roman" panose="02020603050405020304" pitchFamily="18" charset="0"/>
+              <a:ea typeface="Times New Roman" panose="02020603050405020304" pitchFamily="18" charset="0"/>
+            </a:endParaRPr>
+          </a:p>
+          <a:p>
+            <a:pPr indent="450215" algn="just">
+              <a:lnSpc>
+                <a:spcPct val="150000"/>
+              </a:lnSpc>
+            </a:pPr>
+            <a:r>
+              <a:rPr lang="ru-RU" sz="2800" dirty="0">
+                <a:effectLst/>
+                <a:latin typeface="Times New Roman" panose="02020603050405020304" pitchFamily="18" charset="0"/>
+                <a:ea typeface="Times New Roman" panose="02020603050405020304" pitchFamily="18" charset="0"/>
+              </a:rPr>
+              <a:t>Разработка нового аудиоплеера является важной задачей для программистов и компаний, которые хотят предложить своим пользователям новый и улучшенный функционал, что может привести к увеличению популярности и доходов.</a:t>
+            </a:r>
           </a:p>
         </p:txBody>
       </p:sp>
@@ -4281,6 +5432,273 @@
           </a:p>
         </p:txBody>
       </p:sp>
+      <p:sp>
+        <p:nvSpPr>
+          <p:cNvPr id="3" name="TextBox 2">
+            <a:extLst>
+              <a:ext uri="{FF2B5EF4-FFF2-40B4-BE49-F238E27FC236}">
+                <a16:creationId xmlns:a16="http://schemas.microsoft.com/office/drawing/2014/main" id="{E78EEBC8-16C6-D0CB-491B-4D75074C6EA6}"/>
+              </a:ext>
+            </a:extLst>
+          </p:cNvPr>
+          <p:cNvSpPr txBox="1"/>
+          <p:nvPr/>
+        </p:nvSpPr>
+        <p:spPr>
+          <a:xfrm>
+            <a:off x="0" y="0"/>
+            <a:ext cx="12192000" cy="769441"/>
+          </a:xfrm>
+          <a:prstGeom prst="rect">
+            <a:avLst/>
+          </a:prstGeom>
+          <a:noFill/>
+        </p:spPr>
+        <p:txBody>
+          <a:bodyPr wrap="square" rtlCol="0">
+            <a:spAutoFit/>
+          </a:bodyPr>
+          <a:lstStyle/>
+          <a:p>
+            <a:pPr algn="ctr"/>
+            <a:r>
+              <a:rPr lang="ru-RU" sz="4400" b="1" dirty="0">
+                <a:latin typeface="Times New Roman" panose="02020603050405020304" pitchFamily="18" charset="0"/>
+                <a:cs typeface="Times New Roman" panose="02020603050405020304" pitchFamily="18" charset="0"/>
+              </a:rPr>
+              <a:t>Постановка задачи:</a:t>
+            </a:r>
+          </a:p>
+        </p:txBody>
+      </p:sp>
+      <p:sp>
+        <p:nvSpPr>
+          <p:cNvPr id="4" name="TextBox 3">
+            <a:extLst>
+              <a:ext uri="{FF2B5EF4-FFF2-40B4-BE49-F238E27FC236}">
+                <a16:creationId xmlns:a16="http://schemas.microsoft.com/office/drawing/2014/main" id="{5DC3A480-E5E8-B69B-1938-242E6EA479E2}"/>
+              </a:ext>
+            </a:extLst>
+          </p:cNvPr>
+          <p:cNvSpPr txBox="1"/>
+          <p:nvPr/>
+        </p:nvSpPr>
+        <p:spPr>
+          <a:xfrm>
+            <a:off x="355600" y="812094"/>
+            <a:ext cx="11480800" cy="661207"/>
+          </a:xfrm>
+          <a:prstGeom prst="rect">
+            <a:avLst/>
+          </a:prstGeom>
+          <a:noFill/>
+        </p:spPr>
+        <p:txBody>
+          <a:bodyPr wrap="square" rtlCol="0">
+            <a:spAutoFit/>
+          </a:bodyPr>
+          <a:lstStyle/>
+          <a:p>
+            <a:pPr indent="450215" algn="just">
+              <a:lnSpc>
+                <a:spcPct val="150000"/>
+              </a:lnSpc>
+            </a:pPr>
+            <a:r>
+              <a:rPr lang="ru-RU" sz="2800" b="1" dirty="0">
+                <a:effectLst/>
+                <a:latin typeface="Times New Roman" panose="02020603050405020304" pitchFamily="18" charset="0"/>
+                <a:ea typeface="Times New Roman" panose="02020603050405020304" pitchFamily="18" charset="0"/>
+              </a:rPr>
+              <a:t>Цель данной работы </a:t>
+            </a:r>
+            <a:r>
+              <a:rPr lang="ru-RU" sz="2800" dirty="0">
+                <a:effectLst/>
+                <a:latin typeface="Times New Roman" panose="02020603050405020304" pitchFamily="18" charset="0"/>
+                <a:ea typeface="Times New Roman" panose="02020603050405020304" pitchFamily="18" charset="0"/>
+              </a:rPr>
+              <a:t>− разработать современный аудиоплеер</a:t>
+            </a:r>
+            <a:r>
+              <a:rPr lang="en-US" sz="2800" dirty="0">
+                <a:latin typeface="Times New Roman" panose="02020603050405020304" pitchFamily="18" charset="0"/>
+                <a:ea typeface="Times New Roman" panose="02020603050405020304" pitchFamily="18" charset="0"/>
+              </a:rPr>
+              <a:t>.</a:t>
+            </a:r>
+            <a:endParaRPr lang="ru-RU" sz="2800" dirty="0">
+              <a:effectLst/>
+              <a:latin typeface="Times New Roman" panose="02020603050405020304" pitchFamily="18" charset="0"/>
+              <a:ea typeface="Times New Roman" panose="02020603050405020304" pitchFamily="18" charset="0"/>
+            </a:endParaRPr>
+          </a:p>
+        </p:txBody>
+      </p:sp>
+      <p:sp>
+        <p:nvSpPr>
+          <p:cNvPr id="5" name="TextBox 4">
+            <a:extLst>
+              <a:ext uri="{FF2B5EF4-FFF2-40B4-BE49-F238E27FC236}">
+                <a16:creationId xmlns:a16="http://schemas.microsoft.com/office/drawing/2014/main" id="{BD97DDDB-6E2C-6181-582B-ED1B966CC86C}"/>
+              </a:ext>
+            </a:extLst>
+          </p:cNvPr>
+          <p:cNvSpPr txBox="1"/>
+          <p:nvPr/>
+        </p:nvSpPr>
+        <p:spPr>
+          <a:xfrm>
+            <a:off x="355600" y="1535953"/>
+            <a:ext cx="11480800" cy="5185522"/>
+          </a:xfrm>
+          <a:prstGeom prst="rect">
+            <a:avLst/>
+          </a:prstGeom>
+          <a:noFill/>
+        </p:spPr>
+        <p:txBody>
+          <a:bodyPr wrap="square" rtlCol="0">
+            <a:spAutoFit/>
+          </a:bodyPr>
+          <a:lstStyle/>
+          <a:p>
+            <a:pPr indent="450215" algn="just">
+              <a:lnSpc>
+                <a:spcPct val="150000"/>
+              </a:lnSpc>
+            </a:pPr>
+            <a:r>
+              <a:rPr lang="ru-RU" sz="2800" b="1" dirty="0">
+                <a:effectLst/>
+                <a:latin typeface="Times New Roman" panose="02020603050405020304" pitchFamily="18" charset="0"/>
+                <a:ea typeface="Times New Roman" panose="02020603050405020304" pitchFamily="18" charset="0"/>
+              </a:rPr>
+              <a:t>Для достижения этой цели требуется выполнить следующие задачи:</a:t>
+            </a:r>
+          </a:p>
+          <a:p>
+            <a:pPr lvl="0" indent="450000" algn="just">
+              <a:lnSpc>
+                <a:spcPct val="150000"/>
+              </a:lnSpc>
+              <a:buFont typeface="Times New Roman" panose="02020603050405020304" pitchFamily="18" charset="0"/>
+              <a:buChar char="−"/>
+              <a:tabLst>
+                <a:tab pos="630555" algn="l"/>
+              </a:tabLst>
+            </a:pPr>
+            <a:r>
+              <a:rPr lang="ru-RU" sz="2800" dirty="0">
+                <a:effectLst/>
+                <a:latin typeface="Times New Roman" panose="02020603050405020304" pitchFamily="18" charset="0"/>
+                <a:ea typeface="Times New Roman" panose="02020603050405020304" pitchFamily="18" charset="0"/>
+              </a:rPr>
+              <a:t>Изучить существующие аудиоплееры, анализировать их функциональность и дизайн</a:t>
+            </a:r>
+            <a:endParaRPr lang="en-US" sz="2800" dirty="0">
+              <a:effectLst/>
+              <a:latin typeface="Times New Roman" panose="02020603050405020304" pitchFamily="18" charset="0"/>
+              <a:ea typeface="Times New Roman" panose="02020603050405020304" pitchFamily="18" charset="0"/>
+            </a:endParaRPr>
+          </a:p>
+          <a:p>
+            <a:pPr lvl="0" indent="450000" algn="just">
+              <a:lnSpc>
+                <a:spcPct val="150000"/>
+              </a:lnSpc>
+              <a:buFont typeface="Times New Roman" panose="02020603050405020304" pitchFamily="18" charset="0"/>
+              <a:buChar char="−"/>
+              <a:tabLst>
+                <a:tab pos="630555" algn="l"/>
+              </a:tabLst>
+            </a:pPr>
+            <a:r>
+              <a:rPr lang="ru-RU" sz="2800" dirty="0">
+                <a:effectLst/>
+                <a:latin typeface="Times New Roman" panose="02020603050405020304" pitchFamily="18" charset="0"/>
+                <a:ea typeface="Times New Roman" panose="02020603050405020304" pitchFamily="18" charset="0"/>
+              </a:rPr>
+              <a:t>Спроектировать архитектуру приложения</a:t>
+            </a:r>
+            <a:endParaRPr lang="en-US" sz="2800" dirty="0">
+              <a:effectLst/>
+              <a:latin typeface="Times New Roman" panose="02020603050405020304" pitchFamily="18" charset="0"/>
+              <a:ea typeface="Times New Roman" panose="02020603050405020304" pitchFamily="18" charset="0"/>
+            </a:endParaRPr>
+          </a:p>
+          <a:p>
+            <a:pPr lvl="0" indent="450000" algn="just">
+              <a:lnSpc>
+                <a:spcPct val="150000"/>
+              </a:lnSpc>
+              <a:buFont typeface="Times New Roman" panose="02020603050405020304" pitchFamily="18" charset="0"/>
+              <a:buChar char="−"/>
+              <a:tabLst>
+                <a:tab pos="630555" algn="l"/>
+              </a:tabLst>
+            </a:pPr>
+            <a:r>
+              <a:rPr lang="ru-RU" sz="2800" dirty="0">
+                <a:effectLst/>
+                <a:latin typeface="Times New Roman" panose="02020603050405020304" pitchFamily="18" charset="0"/>
+                <a:ea typeface="Times New Roman" panose="02020603050405020304" pitchFamily="18" charset="0"/>
+              </a:rPr>
+              <a:t>Реализовать основные функции аудиоплеера</a:t>
+            </a:r>
+            <a:endParaRPr lang="en-US" sz="2800" dirty="0">
+              <a:effectLst/>
+              <a:latin typeface="Times New Roman" panose="02020603050405020304" pitchFamily="18" charset="0"/>
+              <a:ea typeface="Times New Roman" panose="02020603050405020304" pitchFamily="18" charset="0"/>
+            </a:endParaRPr>
+          </a:p>
+          <a:p>
+            <a:pPr lvl="0" indent="450000" algn="just">
+              <a:lnSpc>
+                <a:spcPct val="150000"/>
+              </a:lnSpc>
+              <a:buFont typeface="Times New Roman" panose="02020603050405020304" pitchFamily="18" charset="0"/>
+              <a:buChar char="−"/>
+              <a:tabLst>
+                <a:tab pos="630555" algn="l"/>
+              </a:tabLst>
+            </a:pPr>
+            <a:r>
+              <a:rPr lang="ru-RU" sz="2800" dirty="0">
+                <a:effectLst/>
+                <a:latin typeface="Times New Roman" panose="02020603050405020304" pitchFamily="18" charset="0"/>
+                <a:ea typeface="Times New Roman" panose="02020603050405020304" pitchFamily="18" charset="0"/>
+              </a:rPr>
+              <a:t>Разработать интерфейс пользователя</a:t>
+            </a:r>
+            <a:endParaRPr lang="en-US" sz="2800" dirty="0">
+              <a:effectLst/>
+              <a:latin typeface="Times New Roman" panose="02020603050405020304" pitchFamily="18" charset="0"/>
+              <a:ea typeface="Times New Roman" panose="02020603050405020304" pitchFamily="18" charset="0"/>
+            </a:endParaRPr>
+          </a:p>
+          <a:p>
+            <a:pPr lvl="0" indent="450000" algn="just">
+              <a:lnSpc>
+                <a:spcPct val="150000"/>
+              </a:lnSpc>
+              <a:buFont typeface="Times New Roman" panose="02020603050405020304" pitchFamily="18" charset="0"/>
+              <a:buChar char="−"/>
+              <a:tabLst>
+                <a:tab pos="630555" algn="l"/>
+              </a:tabLst>
+            </a:pPr>
+            <a:r>
+              <a:rPr lang="ru-RU" sz="2800" dirty="0">
+                <a:effectLst/>
+                <a:latin typeface="Times New Roman" panose="02020603050405020304" pitchFamily="18" charset="0"/>
+                <a:ea typeface="Times New Roman" panose="02020603050405020304" pitchFamily="18" charset="0"/>
+              </a:rPr>
+              <a:t>Протестировать приложение</a:t>
+            </a:r>
+          </a:p>
+        </p:txBody>
+      </p:sp>
     </p:spTree>
     <p:extLst>
       <p:ext uri="{BB962C8B-B14F-4D97-AF65-F5344CB8AC3E}">
@@ -4359,6 +5777,81 @@
           </a:p>
         </p:txBody>
       </p:sp>
+      <p:sp>
+        <p:nvSpPr>
+          <p:cNvPr id="3" name="TextBox 2">
+            <a:extLst>
+              <a:ext uri="{FF2B5EF4-FFF2-40B4-BE49-F238E27FC236}">
+                <a16:creationId xmlns:a16="http://schemas.microsoft.com/office/drawing/2014/main" id="{8E879BC3-479B-F7D2-1C33-27B3367FE8CA}"/>
+              </a:ext>
+            </a:extLst>
+          </p:cNvPr>
+          <p:cNvSpPr txBox="1"/>
+          <p:nvPr/>
+        </p:nvSpPr>
+        <p:spPr>
+          <a:xfrm>
+            <a:off x="0" y="0"/>
+            <a:ext cx="12192000" cy="769441"/>
+          </a:xfrm>
+          <a:prstGeom prst="rect">
+            <a:avLst/>
+          </a:prstGeom>
+          <a:noFill/>
+        </p:spPr>
+        <p:txBody>
+          <a:bodyPr wrap="square" rtlCol="0">
+            <a:spAutoFit/>
+          </a:bodyPr>
+          <a:lstStyle/>
+          <a:p>
+            <a:pPr algn="ctr"/>
+            <a:r>
+              <a:rPr lang="ru-RU" sz="4400" b="1" dirty="0">
+                <a:latin typeface="Times New Roman" panose="02020603050405020304" pitchFamily="18" charset="0"/>
+                <a:cs typeface="Times New Roman" panose="02020603050405020304" pitchFamily="18" charset="0"/>
+              </a:rPr>
+              <a:t>АНАЛИЗ ПРЕДМЕТНОЙ ОБЛАСТИ</a:t>
+            </a:r>
+          </a:p>
+        </p:txBody>
+      </p:sp>
+      <p:pic>
+        <p:nvPicPr>
+          <p:cNvPr id="5" name="Рисунок 4">
+            <a:extLst>
+              <a:ext uri="{FF2B5EF4-FFF2-40B4-BE49-F238E27FC236}">
+                <a16:creationId xmlns:a16="http://schemas.microsoft.com/office/drawing/2014/main" id="{E7413354-FF97-ECC3-0597-64AB7E647976}"/>
+              </a:ext>
+            </a:extLst>
+          </p:cNvPr>
+          <p:cNvPicPr>
+            <a:picLocks noChangeAspect="1"/>
+          </p:cNvPicPr>
+          <p:nvPr/>
+        </p:nvPicPr>
+        <p:blipFill>
+          <a:blip r:embed="rId3">
+            <a:extLst>
+              <a:ext uri="{28A0092B-C50C-407E-A947-70E740481C1C}">
+                <a14:useLocalDpi xmlns:a14="http://schemas.microsoft.com/office/drawing/2010/main" val="0"/>
+              </a:ext>
+            </a:extLst>
+          </a:blip>
+          <a:stretch>
+            <a:fillRect/>
+          </a:stretch>
+        </p:blipFill>
+        <p:spPr>
+          <a:xfrm>
+            <a:off x="3345926" y="904239"/>
+            <a:ext cx="5774467" cy="5774467"/>
+          </a:xfrm>
+          <a:prstGeom prst="rect">
+            <a:avLst/>
+          </a:prstGeom>
+        </p:spPr>
+      </p:pic>
     </p:spTree>
     <p:extLst>
       <p:ext uri="{BB962C8B-B14F-4D97-AF65-F5344CB8AC3E}">
@@ -4437,6 +5930,88 @@
           </a:p>
         </p:txBody>
       </p:sp>
+      <p:sp>
+        <p:nvSpPr>
+          <p:cNvPr id="3" name="TextBox 2">
+            <a:extLst>
+              <a:ext uri="{FF2B5EF4-FFF2-40B4-BE49-F238E27FC236}">
+                <a16:creationId xmlns:a16="http://schemas.microsoft.com/office/drawing/2014/main" id="{28CD745D-99BF-A95B-4229-4238C394A0B8}"/>
+              </a:ext>
+            </a:extLst>
+          </p:cNvPr>
+          <p:cNvSpPr txBox="1"/>
+          <p:nvPr/>
+        </p:nvSpPr>
+        <p:spPr>
+          <a:xfrm>
+            <a:off x="0" y="0"/>
+            <a:ext cx="12192000" cy="769441"/>
+          </a:xfrm>
+          <a:prstGeom prst="rect">
+            <a:avLst/>
+          </a:prstGeom>
+          <a:noFill/>
+        </p:spPr>
+        <p:txBody>
+          <a:bodyPr wrap="square" rtlCol="0">
+            <a:spAutoFit/>
+          </a:bodyPr>
+          <a:lstStyle/>
+          <a:p>
+            <a:pPr algn="ctr"/>
+            <a:r>
+              <a:rPr lang="ru-RU" sz="4400" b="1" dirty="0">
+                <a:latin typeface="Times New Roman" panose="02020603050405020304" pitchFamily="18" charset="0"/>
+                <a:cs typeface="Times New Roman" panose="02020603050405020304" pitchFamily="18" charset="0"/>
+              </a:rPr>
+              <a:t>ПРОЕКТИРОВАНИЕ</a:t>
+            </a:r>
+          </a:p>
+        </p:txBody>
+      </p:sp>
+      <p:pic>
+        <p:nvPicPr>
+          <p:cNvPr id="5" name="Рисунок 4">
+            <a:extLst>
+              <a:ext uri="{FF2B5EF4-FFF2-40B4-BE49-F238E27FC236}">
+                <a16:creationId xmlns:a16="http://schemas.microsoft.com/office/drawing/2014/main" id="{9E7CEBE0-B3FD-CA53-7658-E0BD9523932C}"/>
+              </a:ext>
+            </a:extLst>
+          </p:cNvPr>
+          <p:cNvPicPr>
+            <a:picLocks noChangeAspect="1"/>
+          </p:cNvPicPr>
+          <p:nvPr/>
+        </p:nvPicPr>
+        <p:blipFill>
+          <a:blip r:embed="rId3">
+            <a:extLst>
+              <a:ext uri="{28A0092B-C50C-407E-A947-70E740481C1C}">
+                <a14:useLocalDpi xmlns:a14="http://schemas.microsoft.com/office/drawing/2010/main" val="0"/>
+              </a:ext>
+            </a:extLst>
+          </a:blip>
+          <a:srcRect/>
+          <a:stretch>
+            <a:fillRect/>
+          </a:stretch>
+        </p:blipFill>
+        <p:spPr bwMode="auto">
+          <a:xfrm>
+            <a:off x="3510915" y="929415"/>
+            <a:ext cx="5170170" cy="5792060"/>
+          </a:xfrm>
+          <a:prstGeom prst="rect">
+            <a:avLst/>
+          </a:prstGeom>
+          <a:noFill/>
+          <a:ln w="6350">
+            <a:solidFill>
+              <a:schemeClr val="tx1"/>
+            </a:solidFill>
+          </a:ln>
+        </p:spPr>
+      </p:pic>
     </p:spTree>
     <p:extLst>
       <p:ext uri="{BB962C8B-B14F-4D97-AF65-F5344CB8AC3E}">
@@ -4515,10 +6090,90 @@
           </a:p>
         </p:txBody>
       </p:sp>
+      <p:sp>
+        <p:nvSpPr>
+          <p:cNvPr id="3" name="TextBox 2">
+            <a:extLst>
+              <a:ext uri="{FF2B5EF4-FFF2-40B4-BE49-F238E27FC236}">
+                <a16:creationId xmlns:a16="http://schemas.microsoft.com/office/drawing/2014/main" id="{28CD745D-99BF-A95B-4229-4238C394A0B8}"/>
+              </a:ext>
+            </a:extLst>
+          </p:cNvPr>
+          <p:cNvSpPr txBox="1"/>
+          <p:nvPr/>
+        </p:nvSpPr>
+        <p:spPr>
+          <a:xfrm>
+            <a:off x="0" y="0"/>
+            <a:ext cx="12192000" cy="769441"/>
+          </a:xfrm>
+          <a:prstGeom prst="rect">
+            <a:avLst/>
+          </a:prstGeom>
+          <a:noFill/>
+        </p:spPr>
+        <p:txBody>
+          <a:bodyPr wrap="square" rtlCol="0">
+            <a:spAutoFit/>
+          </a:bodyPr>
+          <a:lstStyle/>
+          <a:p>
+            <a:pPr algn="ctr"/>
+            <a:r>
+              <a:rPr lang="ru-RU" sz="4400" b="1" dirty="0">
+                <a:latin typeface="Times New Roman" panose="02020603050405020304" pitchFamily="18" charset="0"/>
+                <a:cs typeface="Times New Roman" panose="02020603050405020304" pitchFamily="18" charset="0"/>
+              </a:rPr>
+              <a:t>Диаграмма деятельности</a:t>
+            </a:r>
+          </a:p>
+        </p:txBody>
+      </p:sp>
+      <p:pic>
+        <p:nvPicPr>
+          <p:cNvPr id="5" name="Рисунок 4">
+            <a:extLst>
+              <a:ext uri="{FF2B5EF4-FFF2-40B4-BE49-F238E27FC236}">
+                <a16:creationId xmlns:a16="http://schemas.microsoft.com/office/drawing/2014/main" id="{0CFDE7C8-5504-994D-3AE9-F8408C50F515}"/>
+              </a:ext>
+            </a:extLst>
+          </p:cNvPr>
+          <p:cNvPicPr>
+            <a:picLocks noChangeAspect="1"/>
+          </p:cNvPicPr>
+          <p:nvPr/>
+        </p:nvPicPr>
+        <p:blipFill>
+          <a:blip r:embed="rId3">
+            <a:extLst>
+              <a:ext uri="{28A0092B-C50C-407E-A947-70E740481C1C}">
+                <a14:useLocalDpi xmlns:a14="http://schemas.microsoft.com/office/drawing/2010/main" val="0"/>
+              </a:ext>
+            </a:extLst>
+          </a:blip>
+          <a:stretch>
+            <a:fillRect/>
+          </a:stretch>
+        </p:blipFill>
+        <p:spPr>
+          <a:xfrm>
+            <a:off x="209939" y="1642188"/>
+            <a:ext cx="11772122" cy="3641996"/>
+          </a:xfrm>
+          <a:prstGeom prst="rect">
+            <a:avLst/>
+          </a:prstGeom>
+          <a:ln w="6350">
+            <a:solidFill>
+              <a:schemeClr val="tx1"/>
+            </a:solidFill>
+          </a:ln>
+        </p:spPr>
+      </p:pic>
     </p:spTree>
     <p:extLst>
       <p:ext uri="{BB962C8B-B14F-4D97-AF65-F5344CB8AC3E}">
-        <p14:creationId xmlns:p14="http://schemas.microsoft.com/office/powerpoint/2010/main" val="1498414025"/>
+        <p14:creationId xmlns:p14="http://schemas.microsoft.com/office/powerpoint/2010/main" val="3170482900"/>
       </p:ext>
     </p:extLst>
   </p:cSld>
@@ -4593,10 +6248,90 @@
           </a:p>
         </p:txBody>
       </p:sp>
+      <p:sp>
+        <p:nvSpPr>
+          <p:cNvPr id="3" name="TextBox 2">
+            <a:extLst>
+              <a:ext uri="{FF2B5EF4-FFF2-40B4-BE49-F238E27FC236}">
+                <a16:creationId xmlns:a16="http://schemas.microsoft.com/office/drawing/2014/main" id="{28CD745D-99BF-A95B-4229-4238C394A0B8}"/>
+              </a:ext>
+            </a:extLst>
+          </p:cNvPr>
+          <p:cNvSpPr txBox="1"/>
+          <p:nvPr/>
+        </p:nvSpPr>
+        <p:spPr>
+          <a:xfrm>
+            <a:off x="0" y="0"/>
+            <a:ext cx="12192000" cy="769441"/>
+          </a:xfrm>
+          <a:prstGeom prst="rect">
+            <a:avLst/>
+          </a:prstGeom>
+          <a:noFill/>
+        </p:spPr>
+        <p:txBody>
+          <a:bodyPr wrap="square" rtlCol="0">
+            <a:spAutoFit/>
+          </a:bodyPr>
+          <a:lstStyle/>
+          <a:p>
+            <a:pPr algn="ctr"/>
+            <a:r>
+              <a:rPr lang="ru-RU" sz="4400" b="1" dirty="0">
+                <a:latin typeface="Times New Roman" panose="02020603050405020304" pitchFamily="18" charset="0"/>
+                <a:cs typeface="Times New Roman" panose="02020603050405020304" pitchFamily="18" charset="0"/>
+              </a:rPr>
+              <a:t>Диаграмма последовательности</a:t>
+            </a:r>
+          </a:p>
+        </p:txBody>
+      </p:sp>
+      <p:pic>
+        <p:nvPicPr>
+          <p:cNvPr id="5" name="Рисунок 4">
+            <a:extLst>
+              <a:ext uri="{FF2B5EF4-FFF2-40B4-BE49-F238E27FC236}">
+                <a16:creationId xmlns:a16="http://schemas.microsoft.com/office/drawing/2014/main" id="{1C8F81F7-7F0E-63AC-331F-6FD9C49958AC}"/>
+              </a:ext>
+            </a:extLst>
+          </p:cNvPr>
+          <p:cNvPicPr>
+            <a:picLocks noChangeAspect="1"/>
+          </p:cNvPicPr>
+          <p:nvPr/>
+        </p:nvPicPr>
+        <p:blipFill>
+          <a:blip r:embed="rId3">
+            <a:extLst>
+              <a:ext uri="{28A0092B-C50C-407E-A947-70E740481C1C}">
+                <a14:useLocalDpi xmlns:a14="http://schemas.microsoft.com/office/drawing/2010/main" val="0"/>
+              </a:ext>
+            </a:extLst>
+          </a:blip>
+          <a:stretch>
+            <a:fillRect/>
+          </a:stretch>
+        </p:blipFill>
+        <p:spPr>
+          <a:xfrm>
+            <a:off x="1873898" y="867748"/>
+            <a:ext cx="8444203" cy="5723686"/>
+          </a:xfrm>
+          <a:prstGeom prst="rect">
+            <a:avLst/>
+          </a:prstGeom>
+          <a:ln w="6350">
+            <a:solidFill>
+              <a:schemeClr val="tx1"/>
+            </a:solidFill>
+          </a:ln>
+        </p:spPr>
+      </p:pic>
     </p:spTree>
     <p:extLst>
       <p:ext uri="{BB962C8B-B14F-4D97-AF65-F5344CB8AC3E}">
-        <p14:creationId xmlns:p14="http://schemas.microsoft.com/office/powerpoint/2010/main" val="3726813245"/>
+        <p14:creationId xmlns:p14="http://schemas.microsoft.com/office/powerpoint/2010/main" val="385258035"/>
       </p:ext>
     </p:extLst>
   </p:cSld>
@@ -4671,88 +6406,93 @@
           </a:p>
         </p:txBody>
       </p:sp>
+      <p:sp>
+        <p:nvSpPr>
+          <p:cNvPr id="3" name="TextBox 2">
+            <a:extLst>
+              <a:ext uri="{FF2B5EF4-FFF2-40B4-BE49-F238E27FC236}">
+                <a16:creationId xmlns:a16="http://schemas.microsoft.com/office/drawing/2014/main" id="{28CD745D-99BF-A95B-4229-4238C394A0B8}"/>
+              </a:ext>
+            </a:extLst>
+          </p:cNvPr>
+          <p:cNvSpPr txBox="1"/>
+          <p:nvPr/>
+        </p:nvSpPr>
+        <p:spPr>
+          <a:xfrm>
+            <a:off x="0" y="0"/>
+            <a:ext cx="12192000" cy="769441"/>
+          </a:xfrm>
+          <a:prstGeom prst="rect">
+            <a:avLst/>
+          </a:prstGeom>
+          <a:noFill/>
+        </p:spPr>
+        <p:txBody>
+          <a:bodyPr wrap="square" rtlCol="0">
+            <a:spAutoFit/>
+          </a:bodyPr>
+          <a:lstStyle/>
+          <a:p>
+            <a:pPr algn="ctr"/>
+            <a:r>
+              <a:rPr lang="ru-RU" sz="4400" b="1" dirty="0">
+                <a:latin typeface="Times New Roman" panose="02020603050405020304" pitchFamily="18" charset="0"/>
+                <a:cs typeface="Times New Roman" panose="02020603050405020304" pitchFamily="18" charset="0"/>
+              </a:rPr>
+              <a:t>Заключение</a:t>
+            </a:r>
+          </a:p>
+        </p:txBody>
+      </p:sp>
+      <p:sp>
+        <p:nvSpPr>
+          <p:cNvPr id="4" name="TextBox 3">
+            <a:extLst>
+              <a:ext uri="{FF2B5EF4-FFF2-40B4-BE49-F238E27FC236}">
+                <a16:creationId xmlns:a16="http://schemas.microsoft.com/office/drawing/2014/main" id="{42CCB2FD-3D75-BABC-B906-C759BBE1B8B6}"/>
+              </a:ext>
+            </a:extLst>
+          </p:cNvPr>
+          <p:cNvSpPr txBox="1"/>
+          <p:nvPr/>
+        </p:nvSpPr>
+        <p:spPr>
+          <a:xfrm>
+            <a:off x="304800" y="924560"/>
+            <a:ext cx="11480800" cy="5185522"/>
+          </a:xfrm>
+          <a:prstGeom prst="rect">
+            <a:avLst/>
+          </a:prstGeom>
+          <a:noFill/>
+        </p:spPr>
+        <p:txBody>
+          <a:bodyPr wrap="square" rtlCol="0">
+            <a:spAutoFit/>
+          </a:bodyPr>
+          <a:lstStyle/>
+          <a:p>
+            <a:pPr indent="450215" algn="just">
+              <a:lnSpc>
+                <a:spcPct val="150000"/>
+              </a:lnSpc>
+            </a:pPr>
+            <a:r>
+              <a:rPr lang="ru-RU" sz="2800" dirty="0">
+                <a:effectLst/>
+                <a:latin typeface="Times New Roman" panose="02020603050405020304" pitchFamily="18" charset="0"/>
+                <a:ea typeface="Times New Roman" panose="02020603050405020304" pitchFamily="18" charset="0"/>
+              </a:rPr>
+              <a:t>Разработан современный аудиоплеер с широким функционалом, способный конкурировать с популярными аналогами. Были выполнены задачи: исследование аудиоплееров, проектирование архитектуры, выбор языка и технологий, реализация функций и интерфейса, тестирование на различных устройствах и ОС. Аудиоплеер соответствует задаче, может использоваться на различных устройствах и ОС. Правильный выбор языка и технологий, учет современных тенденций в дизайне способствуют разработке функционального аудиоплеера.</a:t>
+            </a:r>
+          </a:p>
+        </p:txBody>
+      </p:sp>
     </p:spTree>
     <p:extLst>
       <p:ext uri="{BB962C8B-B14F-4D97-AF65-F5344CB8AC3E}">
-        <p14:creationId xmlns:p14="http://schemas.microsoft.com/office/powerpoint/2010/main" val="3316282648"/>
-      </p:ext>
-    </p:extLst>
-  </p:cSld>
-  <p:clrMapOvr>
-    <a:masterClrMapping/>
-  </p:clrMapOvr>
-</p:sld>
-</file>
-
-<file path=ppt/slides/slide9.xml><?xml version="1.0" encoding="utf-8"?>
-<p:sld xmlns:a="http://schemas.openxmlformats.org/drawingml/2006/main" xmlns:r="http://schemas.openxmlformats.org/officeDocument/2006/relationships" xmlns:p="http://schemas.openxmlformats.org/presentationml/2006/main">
-  <p:cSld>
-    <p:spTree>
-      <p:nvGrpSpPr>
-        <p:cNvPr id="1" name=""/>
-        <p:cNvGrpSpPr/>
-        <p:nvPr/>
-      </p:nvGrpSpPr>
-      <p:grpSpPr>
-        <a:xfrm>
-          <a:off x="0" y="0"/>
-          <a:ext cx="0" cy="0"/>
-          <a:chOff x="0" y="0"/>
-          <a:chExt cx="0" cy="0"/>
-        </a:xfrm>
-      </p:grpSpPr>
-      <p:sp>
-        <p:nvSpPr>
-          <p:cNvPr id="2" name="Номер слайда 1">
-            <a:extLst>
-              <a:ext uri="{FF2B5EF4-FFF2-40B4-BE49-F238E27FC236}">
-                <a16:creationId xmlns:a16="http://schemas.microsoft.com/office/drawing/2014/main" id="{C8B0E166-D864-CA1E-9B94-FB4AA44AF8FD}"/>
-              </a:ext>
-            </a:extLst>
-          </p:cNvPr>
-          <p:cNvSpPr>
-            <a:spLocks noGrp="1"/>
-          </p:cNvSpPr>
-          <p:nvPr>
-            <p:ph type="sldNum" sz="quarter" idx="12"/>
-          </p:nvPr>
-        </p:nvSpPr>
-        <p:spPr>
-          <a:xfrm>
-            <a:off x="11708363" y="6356350"/>
-            <a:ext cx="483637" cy="365125"/>
-          </a:xfrm>
-        </p:spPr>
-        <p:txBody>
-          <a:bodyPr/>
-          <a:lstStyle/>
-          <a:p>
-            <a:pPr algn="ctr"/>
-            <a:fld id="{D100EC64-3FE9-4C10-B8B9-5C820C63BC0F}" type="slidenum">
-              <a:rPr lang="ru-RU" sz="1400" smtClean="0">
-                <a:solidFill>
-                  <a:schemeClr val="tx1"/>
-                </a:solidFill>
-                <a:latin typeface="Times New Roman" panose="02020603050405020304" pitchFamily="18" charset="0"/>
-                <a:cs typeface="Times New Roman" panose="02020603050405020304" pitchFamily="18" charset="0"/>
-              </a:rPr>
-              <a:pPr algn="ctr"/>
-              <a:t>9</a:t>
-            </a:fld>
-            <a:endParaRPr lang="ru-RU" sz="1400">
-              <a:solidFill>
-                <a:schemeClr val="tx1"/>
-              </a:solidFill>
-              <a:latin typeface="Times New Roman" panose="02020603050405020304" pitchFamily="18" charset="0"/>
-              <a:cs typeface="Times New Roman" panose="02020603050405020304" pitchFamily="18" charset="0"/>
-            </a:endParaRPr>
-          </a:p>
-        </p:txBody>
-      </p:sp>
-    </p:spTree>
-    <p:extLst>
-      <p:ext uri="{BB962C8B-B14F-4D97-AF65-F5344CB8AC3E}">
-        <p14:creationId xmlns:p14="http://schemas.microsoft.com/office/powerpoint/2010/main" val="2795110887"/>
+        <p14:creationId xmlns:p14="http://schemas.microsoft.com/office/powerpoint/2010/main" val="989984235"/>
       </p:ext>
     </p:extLst>
   </p:cSld>
